--- a/poster/bourque_aas_poster.pptx
+++ b/poster/bourque_aas_poster.pptx
@@ -1723,6 +1723,135 @@
           <a:chExt cx="0" cy="0"/>
         </a:xfrm>
       </p:grpSpPr>
+      <p:grpSp>
+        <p:nvGrpSpPr>
+          <p:cNvPr id="17" name="Group 16">
+            <a:extLst>
+              <a:ext uri="{FF2B5EF4-FFF2-40B4-BE49-F238E27FC236}">
+                <a16:creationId xmlns:a16="http://schemas.microsoft.com/office/drawing/2014/main" id="{63D64D4F-658F-6042-8934-34A3FE8C8F30}"/>
+              </a:ext>
+            </a:extLst>
+          </p:cNvPr>
+          <p:cNvGrpSpPr/>
+          <p:nvPr/>
+        </p:nvGrpSpPr>
+        <p:grpSpPr>
+          <a:xfrm>
+            <a:off x="1993159" y="15118165"/>
+            <a:ext cx="12179300" cy="15560673"/>
+            <a:chOff x="2019150" y="12854402"/>
+            <a:chExt cx="12179300" cy="15560673"/>
+          </a:xfrm>
+        </p:grpSpPr>
+        <p:pic>
+          <p:nvPicPr>
+            <p:cNvPr id="9" name="Picture 8">
+              <a:extLst>
+                <a:ext uri="{FF2B5EF4-FFF2-40B4-BE49-F238E27FC236}">
+                  <a16:creationId xmlns:a16="http://schemas.microsoft.com/office/drawing/2014/main" id="{F8BE8133-A4D6-9945-BA82-67CC067752DE}"/>
+                </a:ext>
+              </a:extLst>
+            </p:cNvPr>
+            <p:cNvPicPr>
+              <a:picLocks noChangeAspect="1"/>
+            </p:cNvPicPr>
+            <p:nvPr/>
+          </p:nvPicPr>
+          <p:blipFill>
+            <a:blip r:embed="rId3">
+              <a:extLst>
+                <a:ext uri="{28A0092B-C50C-407E-A947-70E740481C1C}">
+                  <a14:useLocalDpi xmlns:a14="http://schemas.microsoft.com/office/drawing/2010/main" val="0"/>
+                </a:ext>
+              </a:extLst>
+            </a:blip>
+            <a:stretch>
+              <a:fillRect/>
+            </a:stretch>
+          </p:blipFill>
+          <p:spPr>
+            <a:xfrm>
+              <a:off x="2019150" y="12854402"/>
+              <a:ext cx="12166600" cy="6299200"/>
+            </a:xfrm>
+            <a:prstGeom prst="rect">
+              <a:avLst/>
+            </a:prstGeom>
+          </p:spPr>
+        </p:pic>
+        <p:pic>
+          <p:nvPicPr>
+            <p:cNvPr id="14" name="Picture 13">
+              <a:extLst>
+                <a:ext uri="{FF2B5EF4-FFF2-40B4-BE49-F238E27FC236}">
+                  <a16:creationId xmlns:a16="http://schemas.microsoft.com/office/drawing/2014/main" id="{161A1310-21DE-6B49-A51A-D462B97B1FAF}"/>
+                </a:ext>
+              </a:extLst>
+            </p:cNvPr>
+            <p:cNvPicPr>
+              <a:picLocks noChangeAspect="1"/>
+            </p:cNvPicPr>
+            <p:nvPr/>
+          </p:nvPicPr>
+          <p:blipFill>
+            <a:blip r:embed="rId4">
+              <a:extLst>
+                <a:ext uri="{28A0092B-C50C-407E-A947-70E740481C1C}">
+                  <a14:useLocalDpi xmlns:a14="http://schemas.microsoft.com/office/drawing/2010/main" val="0"/>
+                </a:ext>
+              </a:extLst>
+            </a:blip>
+            <a:stretch>
+              <a:fillRect/>
+            </a:stretch>
+          </p:blipFill>
+          <p:spPr>
+            <a:xfrm>
+              <a:off x="2019150" y="19207217"/>
+              <a:ext cx="12166600" cy="6629400"/>
+            </a:xfrm>
+            <a:prstGeom prst="rect">
+              <a:avLst/>
+            </a:prstGeom>
+          </p:spPr>
+        </p:pic>
+        <p:pic>
+          <p:nvPicPr>
+            <p:cNvPr id="16" name="Picture 15">
+              <a:extLst>
+                <a:ext uri="{FF2B5EF4-FFF2-40B4-BE49-F238E27FC236}">
+                  <a16:creationId xmlns:a16="http://schemas.microsoft.com/office/drawing/2014/main" id="{BCFB6AF6-FDF0-FD42-AF04-A70CB5C2F9D4}"/>
+                </a:ext>
+              </a:extLst>
+            </p:cNvPr>
+            <p:cNvPicPr>
+              <a:picLocks noChangeAspect="1"/>
+            </p:cNvPicPr>
+            <p:nvPr/>
+          </p:nvPicPr>
+          <p:blipFill>
+            <a:blip r:embed="rId5">
+              <a:extLst>
+                <a:ext uri="{28A0092B-C50C-407E-A947-70E740481C1C}">
+                  <a14:useLocalDpi xmlns:a14="http://schemas.microsoft.com/office/drawing/2010/main" val="0"/>
+                </a:ext>
+              </a:extLst>
+            </a:blip>
+            <a:stretch>
+              <a:fillRect/>
+            </a:stretch>
+          </p:blipFill>
+          <p:spPr>
+            <a:xfrm>
+              <a:off x="2019150" y="25963975"/>
+              <a:ext cx="12179300" cy="2451100"/>
+            </a:xfrm>
+            <a:prstGeom prst="rect">
+              <a:avLst/>
+            </a:prstGeom>
+          </p:spPr>
+        </p:pic>
+      </p:grpSp>
       <p:sp>
         <p:nvSpPr>
           <p:cNvPr id="55" name="Rectangle 54"/>
@@ -1882,41 +2011,6 @@
       </p:sp>
       <p:sp>
         <p:nvSpPr>
-          <p:cNvPr id="1786" name="object 9"/>
-          <p:cNvSpPr txBox="1"/>
-          <p:nvPr/>
-        </p:nvSpPr>
-        <p:spPr>
-          <a:xfrm>
-            <a:off x="15668171" y="28375429"/>
-            <a:ext cx="9129486" cy="555171"/>
-          </a:xfrm>
-          <a:prstGeom prst="rect">
-            <a:avLst/>
-          </a:prstGeom>
-        </p:spPr>
-        <p:txBody>
-          <a:bodyPr vert="horz" wrap="square" lIns="148046" tIns="148046" rIns="148046" bIns="148046" rtlCol="0">
-            <a:noAutofit/>
-          </a:bodyPr>
-          <a:lstStyle/>
-          <a:p>
-            <a:pPr marL="21589"/>
-            <a:r>
-              <a:rPr lang="en-US" sz="2359" spc="8" dirty="0">
-                <a:solidFill>
-                  <a:srgbClr val="1E68AE"/>
-                </a:solidFill>
-                <a:latin typeface="Avenir Black"/>
-                <a:cs typeface="Avenir Black"/>
-              </a:rPr>
-              <a:t>References</a:t>
-            </a:r>
-          </a:p>
-        </p:txBody>
-      </p:sp>
-      <p:sp>
-        <p:nvSpPr>
           <p:cNvPr id="1792" name="object 5"/>
           <p:cNvSpPr txBox="1"/>
           <p:nvPr/>
@@ -2074,25 +2168,8 @@
                 <a:latin typeface="Avenir Black"/>
                 <a:cs typeface="Avenir Black"/>
               </a:rPr>
-              <a:t>4. Amazon Web </a:t>
-            </a:r>
-            <a:r>
-              <a:rPr lang="en-US" sz="3562" spc="8" dirty="0" err="1">
-                <a:solidFill>
-                  <a:srgbClr val="1E68AE"/>
-                </a:solidFill>
-                <a:latin typeface="Avenir Black"/>
-                <a:cs typeface="Avenir Black"/>
-              </a:rPr>
-              <a:t>Servies</a:t>
-            </a:r>
-            <a:endParaRPr lang="en-US" sz="3562" spc="8" dirty="0">
-              <a:solidFill>
-                <a:srgbClr val="1E68AE"/>
-              </a:solidFill>
-              <a:latin typeface="Avenir Black"/>
-              <a:cs typeface="Avenir Black"/>
-            </a:endParaRPr>
+              <a:t>4. Amazon Web Services</a:t>
+            </a:r>
           </a:p>
           <a:p>
             <a:pPr marR="95610" algn="ctr"/>
@@ -2295,17 +2372,7 @@
                   <a:latin typeface="Avenir Black"/>
                   <a:cs typeface="Avenir Black"/>
                 </a:rPr>
-                <a:t>6. </a:t>
-              </a:r>
-              <a:r>
-                <a:rPr lang="en-US" sz="3562" spc="8" dirty="0" err="1">
-                  <a:solidFill>
-                    <a:srgbClr val="1E68AE"/>
-                  </a:solidFill>
-                  <a:latin typeface="Avenir Black"/>
-                  <a:cs typeface="Avenir Black"/>
-                </a:rPr>
-                <a:t>Acknoweldgements</a:t>
+                <a:t>6. Acknowledgements and References</a:t>
               </a:r>
               <a:endParaRPr sz="3562" dirty="0">
                 <a:solidFill>
@@ -2403,8 +2470,8 @@
         </p:nvSpPr>
         <p:spPr>
           <a:xfrm>
-            <a:off x="916896" y="7879438"/>
-            <a:ext cx="5181600" cy="490904"/>
+            <a:off x="317871" y="7860554"/>
+            <a:ext cx="14864064" cy="490904"/>
           </a:xfrm>
           <a:prstGeom prst="rect">
             <a:avLst/>
@@ -2423,21 +2490,35 @@
                 <a:latin typeface="Avenir Book"/>
                 <a:cs typeface="Avenir Book"/>
               </a:rPr>
-              <a:t>Foo</a:t>
-            </a:r>
-          </a:p>
-        </p:txBody>
-      </p:sp>
-      <p:sp>
-        <p:nvSpPr>
-          <p:cNvPr id="21" name="TextBox 20"/>
+              <a:t>The Exoplanet Characterization Toolkit (</a:t>
+            </a:r>
+            <a:r>
+              <a:rPr lang="en-US" sz="2590" dirty="0" err="1">
+                <a:latin typeface="Avenir Book"/>
+                <a:cs typeface="Avenir Book"/>
+              </a:rPr>
+              <a:t>ExoCTK</a:t>
+            </a:r>
+            <a:r>
+              <a:rPr lang="en-US" sz="2590" dirty="0">
+                <a:latin typeface="Avenir Book"/>
+                <a:cs typeface="Avenir Book"/>
+              </a:rPr>
+              <a:t>) is</a:t>
+            </a:r>
+          </a:p>
+        </p:txBody>
+      </p:sp>
+      <p:sp>
+        <p:nvSpPr>
+          <p:cNvPr id="44" name="TextBox 43"/>
           <p:cNvSpPr txBox="1"/>
           <p:nvPr/>
         </p:nvSpPr>
         <p:spPr>
           <a:xfrm>
-            <a:off x="15729857" y="28992286"/>
-            <a:ext cx="15051314" cy="441211"/>
+            <a:off x="317871" y="12504692"/>
+            <a:ext cx="14978211" cy="2483757"/>
           </a:xfrm>
           <a:prstGeom prst="rect">
             <a:avLst/>
@@ -2450,49 +2531,104 @@
           </a:bodyPr>
           <a:lstStyle/>
           <a:p>
-            <a:pPr marL="277578" indent="-277578">
-              <a:buFont typeface="Arial"/>
-              <a:buChar char="•"/>
-            </a:pPr>
-            <a:r>
-              <a:rPr lang="en-US" sz="2267" dirty="0">
-                <a:latin typeface="Avenir Book"/>
-                <a:cs typeface="Avenir Book"/>
-              </a:rPr>
-              <a:t>Foo</a:t>
-            </a:r>
-          </a:p>
-        </p:txBody>
-      </p:sp>
-      <p:sp>
-        <p:nvSpPr>
-          <p:cNvPr id="44" name="TextBox 43"/>
-          <p:cNvSpPr txBox="1"/>
-          <p:nvPr/>
-        </p:nvSpPr>
-        <p:spPr>
-          <a:xfrm>
-            <a:off x="483434" y="12941223"/>
-            <a:ext cx="14804571" cy="490904"/>
-          </a:xfrm>
-          <a:prstGeom prst="rect">
-            <a:avLst/>
-          </a:prstGeom>
-          <a:noFill/>
-        </p:spPr>
-        <p:txBody>
-          <a:bodyPr wrap="square" rtlCol="0">
-            <a:spAutoFit/>
-          </a:bodyPr>
-          <a:lstStyle/>
-          <a:p>
             <a:pPr algn="just"/>
             <a:r>
               <a:rPr lang="en-US" sz="2590" dirty="0">
                 <a:latin typeface="Avenir Book"/>
                 <a:cs typeface="Avenir Book"/>
               </a:rPr>
-              <a:t>Foo</a:t>
+              <a:t>Atmospheric Retrievals are algorithms used to determine the physical parameters of an exoplanetary atmosphere.  The </a:t>
+            </a:r>
+            <a:r>
+              <a:rPr lang="en-US" sz="2590" dirty="0" err="1">
+                <a:latin typeface="Courier" pitchFamily="2" charset="0"/>
+                <a:cs typeface="Avenir Book"/>
+              </a:rPr>
+              <a:t>atmospheric_retreivals</a:t>
+            </a:r>
+            <a:r>
+              <a:rPr lang="en-US" sz="2590" dirty="0">
+                <a:latin typeface="Courier" pitchFamily="2" charset="0"/>
+                <a:cs typeface="Avenir Book"/>
+              </a:rPr>
+              <a:t> </a:t>
+            </a:r>
+            <a:r>
+              <a:rPr lang="en-US" sz="2590" dirty="0" err="1">
+                <a:latin typeface="Avenir Book"/>
+                <a:cs typeface="Avenir Book"/>
+              </a:rPr>
+              <a:t>subpackage</a:t>
+            </a:r>
+            <a:r>
+              <a:rPr lang="en-US" sz="2590" dirty="0">
+                <a:latin typeface="Avenir Book"/>
+                <a:cs typeface="Avenir Book"/>
+              </a:rPr>
+              <a:t> within the </a:t>
+            </a:r>
+            <a:r>
+              <a:rPr lang="en-US" sz="2590" dirty="0" err="1">
+                <a:latin typeface="Courier" pitchFamily="2" charset="0"/>
+                <a:cs typeface="Avenir Book"/>
+              </a:rPr>
+              <a:t>exoctk</a:t>
+            </a:r>
+            <a:r>
+              <a:rPr lang="en-US" sz="2590" dirty="0">
+                <a:latin typeface="Avenir Book"/>
+                <a:cs typeface="Avenir Book"/>
+              </a:rPr>
+              <a:t> repository contains methods and tools for performing retrievals with PLATON (</a:t>
+            </a:r>
+            <a:r>
+              <a:rPr lang="en-US" sz="2590" dirty="0" err="1">
+                <a:latin typeface="Avenir Book"/>
+                <a:cs typeface="Avenir Book"/>
+              </a:rPr>
+              <a:t>PLanetary</a:t>
+            </a:r>
+            <a:r>
+              <a:rPr lang="en-US" sz="2590" dirty="0">
+                <a:latin typeface="Avenir Book"/>
+                <a:cs typeface="Avenir Book"/>
+              </a:rPr>
+              <a:t> Atmospheric Transmission for Observer Noobs)</a:t>
+            </a:r>
+            <a:r>
+              <a:rPr lang="en-US" sz="2590" baseline="30000" dirty="0">
+                <a:latin typeface="Avenir Book"/>
+                <a:cs typeface="Avenir Book"/>
+              </a:rPr>
+              <a:t>1</a:t>
+            </a:r>
+            <a:r>
+              <a:rPr lang="en-US" sz="2590" dirty="0">
+                <a:latin typeface="Avenir Book"/>
+                <a:cs typeface="Avenir Book"/>
+              </a:rPr>
+              <a:t>.  Users can choose to performing retrievals on a local machine, or using Amazon Web Services (AWS) Elastic Computing (EC2) instances by properly configuring an EC2 instance and invoking the </a:t>
+            </a:r>
+            <a:r>
+              <a:rPr lang="en-US" sz="2590" dirty="0" err="1">
+                <a:latin typeface="Courier" pitchFamily="2" charset="0"/>
+                <a:cs typeface="Avenir Book"/>
+              </a:rPr>
+              <a:t>use_aws</a:t>
+            </a:r>
+            <a:r>
+              <a:rPr lang="en-US" sz="2590" dirty="0">
+                <a:latin typeface="Courier" pitchFamily="2" charset="0"/>
+                <a:cs typeface="Avenir Book"/>
+              </a:rPr>
+              <a:t>() </a:t>
+            </a:r>
+            <a:r>
+              <a:rPr lang="en-US" sz="2590" dirty="0">
+                <a:latin typeface="Avenir Book"/>
+                <a:cs typeface="Avenir Book"/>
+              </a:rPr>
+              <a:t>method.  A simple example using WASP-19b is provided below. </a:t>
             </a:r>
           </a:p>
         </p:txBody>
@@ -2506,7 +2642,7 @@
           <p:nvPr/>
         </p:nvPicPr>
         <p:blipFill>
-          <a:blip r:embed="rId3">
+          <a:blip r:embed="rId6">
             <a:extLst>
               <a:ext uri="{28A0092B-C50C-407E-A947-70E740481C1C}">
                 <a14:useLocalDpi xmlns:a14="http://schemas.microsoft.com/office/drawing/2010/main" val="0"/>
@@ -2526,123 +2662,102 @@
           </a:prstGeom>
         </p:spPr>
       </p:pic>
-      <p:grpSp>
-        <p:nvGrpSpPr>
-          <p:cNvPr id="18" name="Group 17">
+      <p:pic>
+        <p:nvPicPr>
+          <p:cNvPr id="4" name="Picture 3"/>
+          <p:cNvPicPr>
+            <a:picLocks noChangeAspect="1"/>
+          </p:cNvPicPr>
+          <p:nvPr/>
+        </p:nvPicPr>
+        <p:blipFill>
+          <a:blip r:embed="rId7">
+            <a:extLst>
+              <a:ext uri="{28A0092B-C50C-407E-A947-70E740481C1C}">
+                <a14:useLocalDpi xmlns:a14="http://schemas.microsoft.com/office/drawing/2010/main" val="0"/>
+              </a:ext>
+            </a:extLst>
+          </a:blip>
+          <a:stretch>
+            <a:fillRect/>
+          </a:stretch>
+        </p:blipFill>
+        <p:spPr>
+          <a:xfrm>
+            <a:off x="19554857" y="28375787"/>
+            <a:ext cx="3701143" cy="2332841"/>
+          </a:xfrm>
+          <a:prstGeom prst="rect">
+            <a:avLst/>
+          </a:prstGeom>
+        </p:spPr>
+      </p:pic>
+      <p:pic>
+        <p:nvPicPr>
+          <p:cNvPr id="11" name="Picture 10" descr="nasa.png"/>
+          <p:cNvPicPr>
+            <a:picLocks noChangeAspect="1"/>
+          </p:cNvPicPr>
+          <p:nvPr/>
+        </p:nvPicPr>
+        <p:blipFill>
+          <a:blip r:embed="rId8">
+            <a:extLst>
+              <a:ext uri="{28A0092B-C50C-407E-A947-70E740481C1C}">
+                <a14:useLocalDpi xmlns:a14="http://schemas.microsoft.com/office/drawing/2010/main" val="0"/>
+              </a:ext>
+            </a:extLst>
+          </a:blip>
+          <a:stretch>
+            <a:fillRect/>
+          </a:stretch>
+        </p:blipFill>
+        <p:spPr>
+          <a:xfrm>
+            <a:off x="27971127" y="28495440"/>
+            <a:ext cx="2810044" cy="2332337"/>
+          </a:xfrm>
+          <a:prstGeom prst="rect">
+            <a:avLst/>
+          </a:prstGeom>
+        </p:spPr>
+      </p:pic>
+      <p:pic>
+        <p:nvPicPr>
+          <p:cNvPr id="13" name="Picture 12">
             <a:extLst>
               <a:ext uri="{FF2B5EF4-FFF2-40B4-BE49-F238E27FC236}">
-                <a16:creationId xmlns:a16="http://schemas.microsoft.com/office/drawing/2014/main" id="{2514142F-11BC-9348-8055-11EDF81056E6}"/>
+                <a16:creationId xmlns:a16="http://schemas.microsoft.com/office/drawing/2014/main" id="{BBA91086-AB75-9B45-8C06-C6FD77296B4C}"/>
               </a:ext>
             </a:extLst>
           </p:cNvPr>
-          <p:cNvGrpSpPr/>
+          <p:cNvPicPr>
+            <a:picLocks noChangeAspect="1"/>
+          </p:cNvPicPr>
           <p:nvPr/>
-        </p:nvGrpSpPr>
-        <p:grpSpPr>
-          <a:xfrm>
-            <a:off x="19554857" y="28375429"/>
-            <a:ext cx="11226314" cy="2452348"/>
-            <a:chOff x="219730" y="28440475"/>
-            <a:chExt cx="11226314" cy="2452348"/>
-          </a:xfrm>
-        </p:grpSpPr>
-        <p:pic>
-          <p:nvPicPr>
-            <p:cNvPr id="4" name="Picture 3"/>
-            <p:cNvPicPr>
-              <a:picLocks noChangeAspect="1"/>
-            </p:cNvPicPr>
-            <p:nvPr/>
-          </p:nvPicPr>
-          <p:blipFill>
-            <a:blip r:embed="rId4">
-              <a:extLst>
-                <a:ext uri="{28A0092B-C50C-407E-A947-70E740481C1C}">
-                  <a14:useLocalDpi xmlns:a14="http://schemas.microsoft.com/office/drawing/2010/main" val="0"/>
-                </a:ext>
-              </a:extLst>
-            </a:blip>
-            <a:stretch>
-              <a:fillRect/>
-            </a:stretch>
-          </p:blipFill>
-          <p:spPr>
-            <a:xfrm>
-              <a:off x="219730" y="28440833"/>
-              <a:ext cx="3701143" cy="2332841"/>
-            </a:xfrm>
-            <a:prstGeom prst="rect">
-              <a:avLst/>
-            </a:prstGeom>
-          </p:spPr>
-        </p:pic>
-        <p:pic>
-          <p:nvPicPr>
-            <p:cNvPr id="11" name="Picture 10" descr="nasa.png"/>
-            <p:cNvPicPr>
-              <a:picLocks noChangeAspect="1"/>
-            </p:cNvPicPr>
-            <p:nvPr/>
-          </p:nvPicPr>
-          <p:blipFill>
-            <a:blip r:embed="rId5">
-              <a:extLst>
-                <a:ext uri="{28A0092B-C50C-407E-A947-70E740481C1C}">
-                  <a14:useLocalDpi xmlns:a14="http://schemas.microsoft.com/office/drawing/2010/main" val="0"/>
-                </a:ext>
-              </a:extLst>
-            </a:blip>
-            <a:stretch>
-              <a:fillRect/>
-            </a:stretch>
-          </p:blipFill>
-          <p:spPr>
-            <a:xfrm>
-              <a:off x="8636000" y="28560486"/>
-              <a:ext cx="2810044" cy="2332337"/>
-            </a:xfrm>
-            <a:prstGeom prst="rect">
-              <a:avLst/>
-            </a:prstGeom>
-          </p:spPr>
-        </p:pic>
-        <p:pic>
-          <p:nvPicPr>
-            <p:cNvPr id="13" name="Picture 12">
-              <a:extLst>
-                <a:ext uri="{FF2B5EF4-FFF2-40B4-BE49-F238E27FC236}">
-                  <a16:creationId xmlns:a16="http://schemas.microsoft.com/office/drawing/2014/main" id="{BBA91086-AB75-9B45-8C06-C6FD77296B4C}"/>
-                </a:ext>
-              </a:extLst>
-            </p:cNvPr>
-            <p:cNvPicPr>
-              <a:picLocks noChangeAspect="1"/>
-            </p:cNvPicPr>
-            <p:nvPr/>
-          </p:nvPicPr>
-          <p:blipFill>
-            <a:blip r:embed="rId6">
-              <a:extLst>
-                <a:ext uri="{28A0092B-C50C-407E-A947-70E740481C1C}">
-                  <a14:useLocalDpi xmlns:a14="http://schemas.microsoft.com/office/drawing/2010/main" val="0"/>
-                </a:ext>
-              </a:extLst>
-            </a:blip>
-            <a:stretch>
-              <a:fillRect/>
-            </a:stretch>
-          </p:blipFill>
-          <p:spPr>
-            <a:xfrm>
-              <a:off x="4204443" y="28440475"/>
-              <a:ext cx="4363246" cy="2277933"/>
-            </a:xfrm>
-            <a:prstGeom prst="rect">
-              <a:avLst/>
-            </a:prstGeom>
-          </p:spPr>
-        </p:pic>
-      </p:grpSp>
+        </p:nvPicPr>
+        <p:blipFill>
+          <a:blip r:embed="rId9">
+            <a:extLst>
+              <a:ext uri="{28A0092B-C50C-407E-A947-70E740481C1C}">
+                <a14:useLocalDpi xmlns:a14="http://schemas.microsoft.com/office/drawing/2010/main" val="0"/>
+              </a:ext>
+            </a:extLst>
+          </a:blip>
+          <a:stretch>
+            <a:fillRect/>
+          </a:stretch>
+        </p:blipFill>
+        <p:spPr>
+          <a:xfrm>
+            <a:off x="23539570" y="28375429"/>
+            <a:ext cx="4363246" cy="2277933"/>
+          </a:xfrm>
+          <a:prstGeom prst="rect">
+            <a:avLst/>
+          </a:prstGeom>
+        </p:spPr>
+      </p:pic>
       <p:sp>
         <p:nvSpPr>
           <p:cNvPr id="27" name="object 10">
@@ -2704,10 +2819,10 @@
       </p:sp>
       <p:sp>
         <p:nvSpPr>
-          <p:cNvPr id="28" name="object 10">
+          <p:cNvPr id="30" name="object 10">
             <a:extLst>
               <a:ext uri="{FF2B5EF4-FFF2-40B4-BE49-F238E27FC236}">
-                <a16:creationId xmlns:a16="http://schemas.microsoft.com/office/drawing/2014/main" id="{7C8DD3D0-34A9-1F41-B745-081C51A2CB50}"/>
+                <a16:creationId xmlns:a16="http://schemas.microsoft.com/office/drawing/2014/main" id="{61967D08-2CEA-EE47-8592-6026F297FF7A}"/>
               </a:ext>
             </a:extLst>
           </p:cNvPr>
@@ -2716,7 +2831,7 @@
         </p:nvSpPr>
         <p:spPr>
           <a:xfrm>
-            <a:off x="15905808" y="13944600"/>
+            <a:off x="637360" y="11582400"/>
             <a:ext cx="14544575" cy="0"/>
           </a:xfrm>
           <a:custGeom>
@@ -2740,7 +2855,7 @@
             <a:gradFill flip="none" rotWithShape="1">
               <a:gsLst>
                 <a:gs pos="30000">
-                  <a:srgbClr val="000000"/>
+                  <a:srgbClr val="1E68AE"/>
                 </a:gs>
                 <a:gs pos="100000">
                   <a:srgbClr val="FFFFFF"/>
@@ -2763,124 +2878,6 @@
       </p:sp>
       <p:sp>
         <p:nvSpPr>
-          <p:cNvPr id="29" name="object 10">
-            <a:extLst>
-              <a:ext uri="{FF2B5EF4-FFF2-40B4-BE49-F238E27FC236}">
-                <a16:creationId xmlns:a16="http://schemas.microsoft.com/office/drawing/2014/main" id="{82E6D50C-00DD-5B4D-8ED2-6A7C25CAAD68}"/>
-              </a:ext>
-            </a:extLst>
-          </p:cNvPr>
-          <p:cNvSpPr/>
-          <p:nvPr/>
-        </p:nvSpPr>
-        <p:spPr>
-          <a:xfrm>
-            <a:off x="555171" y="7696200"/>
-            <a:ext cx="14544575" cy="0"/>
-          </a:xfrm>
-          <a:custGeom>
-            <a:avLst/>
-            <a:gdLst/>
-            <a:ahLst/>
-            <a:cxnLst/>
-            <a:rect l="l" t="t" r="r" b="b"/>
-            <a:pathLst>
-              <a:path w="7339965">
-                <a:moveTo>
-                  <a:pt x="7339592" y="0"/>
-                </a:moveTo>
-                <a:lnTo>
-                  <a:pt x="0" y="0"/>
-                </a:lnTo>
-              </a:path>
-            </a:pathLst>
-          </a:custGeom>
-          <a:ln w="13296">
-            <a:gradFill flip="none" rotWithShape="1">
-              <a:gsLst>
-                <a:gs pos="30000">
-                  <a:srgbClr val="000000"/>
-                </a:gs>
-                <a:gs pos="100000">
-                  <a:srgbClr val="FFFFFF"/>
-                </a:gs>
-              </a:gsLst>
-              <a:path path="circle">
-                <a:fillToRect l="50000" t="50000" r="50000" b="50000"/>
-              </a:path>
-              <a:tileRect/>
-            </a:gradFill>
-          </a:ln>
-        </p:spPr>
-        <p:txBody>
-          <a:bodyPr wrap="square" lIns="0" tIns="0" rIns="0" bIns="0" rtlCol="0"/>
-          <a:lstStyle/>
-          <a:p>
-            <a:endParaRPr sz="2359"/>
-          </a:p>
-        </p:txBody>
-      </p:sp>
-      <p:sp>
-        <p:nvSpPr>
-          <p:cNvPr id="30" name="object 10">
-            <a:extLst>
-              <a:ext uri="{FF2B5EF4-FFF2-40B4-BE49-F238E27FC236}">
-                <a16:creationId xmlns:a16="http://schemas.microsoft.com/office/drawing/2014/main" id="{61967D08-2CEA-EE47-8592-6026F297FF7A}"/>
-              </a:ext>
-            </a:extLst>
-          </p:cNvPr>
-          <p:cNvSpPr/>
-          <p:nvPr/>
-        </p:nvSpPr>
-        <p:spPr>
-          <a:xfrm>
-            <a:off x="787071" y="11878093"/>
-            <a:ext cx="14544575" cy="0"/>
-          </a:xfrm>
-          <a:custGeom>
-            <a:avLst/>
-            <a:gdLst/>
-            <a:ahLst/>
-            <a:cxnLst/>
-            <a:rect l="l" t="t" r="r" b="b"/>
-            <a:pathLst>
-              <a:path w="7339965">
-                <a:moveTo>
-                  <a:pt x="7339592" y="0"/>
-                </a:moveTo>
-                <a:lnTo>
-                  <a:pt x="0" y="0"/>
-                </a:lnTo>
-              </a:path>
-            </a:pathLst>
-          </a:custGeom>
-          <a:ln w="13296">
-            <a:gradFill flip="none" rotWithShape="1">
-              <a:gsLst>
-                <a:gs pos="30000">
-                  <a:srgbClr val="000000"/>
-                </a:gs>
-                <a:gs pos="100000">
-                  <a:srgbClr val="FFFFFF"/>
-                </a:gs>
-              </a:gsLst>
-              <a:path path="circle">
-                <a:fillToRect l="50000" t="50000" r="50000" b="50000"/>
-              </a:path>
-              <a:tileRect/>
-            </a:gradFill>
-          </a:ln>
-        </p:spPr>
-        <p:txBody>
-          <a:bodyPr wrap="square" lIns="0" tIns="0" rIns="0" bIns="0" rtlCol="0"/>
-          <a:lstStyle/>
-          <a:p>
-            <a:endParaRPr sz="2359"/>
-          </a:p>
-        </p:txBody>
-      </p:sp>
-      <p:sp>
-        <p:nvSpPr>
           <p:cNvPr id="31" name="object 5">
             <a:extLst>
               <a:ext uri="{FF2B5EF4-FFF2-40B4-BE49-F238E27FC236}">
@@ -2893,7 +2890,7 @@
         </p:nvSpPr>
         <p:spPr>
           <a:xfrm>
-            <a:off x="848757" y="11939779"/>
+            <a:off x="872208" y="11756644"/>
             <a:ext cx="14250234" cy="640845"/>
           </a:xfrm>
           <a:prstGeom prst="rect">
@@ -2959,7 +2956,7 @@
           <p:nvPr/>
         </p:nvPicPr>
         <p:blipFill>
-          <a:blip r:embed="rId7">
+          <a:blip r:embed="rId10">
             <a:extLst>
               <a:ext uri="{28A0092B-C50C-407E-A947-70E740481C1C}">
                 <a14:useLocalDpi xmlns:a14="http://schemas.microsoft.com/office/drawing/2010/main" val="0"/>
@@ -2994,7 +2991,7 @@
         </p:nvSpPr>
         <p:spPr>
           <a:xfrm>
-            <a:off x="16036265" y="17626073"/>
+            <a:off x="15949533" y="15408514"/>
             <a:ext cx="14371109" cy="555171"/>
           </a:xfrm>
           <a:prstGeom prst="rect">
@@ -3031,12 +3028,63 @@
           </a:p>
         </p:txBody>
       </p:sp>
+      <p:sp>
+        <p:nvSpPr>
+          <p:cNvPr id="46" name="object 5">
+            <a:extLst>
+              <a:ext uri="{FF2B5EF4-FFF2-40B4-BE49-F238E27FC236}">
+                <a16:creationId xmlns:a16="http://schemas.microsoft.com/office/drawing/2014/main" id="{CD13525E-EB1E-A041-8DA5-7F20B99CC7F2}"/>
+              </a:ext>
+            </a:extLst>
+          </p:cNvPr>
+          <p:cNvSpPr txBox="1"/>
+          <p:nvPr/>
+        </p:nvSpPr>
+        <p:spPr>
+          <a:xfrm>
+            <a:off x="16073526" y="21897957"/>
+            <a:ext cx="14371109" cy="555171"/>
+          </a:xfrm>
+          <a:prstGeom prst="rect">
+            <a:avLst/>
+          </a:prstGeom>
+        </p:spPr>
+        <p:txBody>
+          <a:bodyPr vert="horz" wrap="square" lIns="148046" tIns="148046" rIns="148046" bIns="148046" rtlCol="0">
+            <a:noAutofit/>
+          </a:bodyPr>
+          <a:lstStyle/>
+          <a:p>
+            <a:pPr marR="95610" algn="ctr"/>
+            <a:r>
+              <a:rPr lang="en-US" sz="3562" spc="8" dirty="0">
+                <a:solidFill>
+                  <a:srgbClr val="1E68AE"/>
+                </a:solidFill>
+                <a:latin typeface="Avenir Black"/>
+                <a:cs typeface="Avenir Black"/>
+              </a:rPr>
+              <a:t>6. Future Work</a:t>
+            </a:r>
+          </a:p>
+          <a:p>
+            <a:pPr marR="95610" algn="ctr"/>
+            <a:endParaRPr sz="3562" dirty="0">
+              <a:solidFill>
+                <a:srgbClr val="D04848"/>
+              </a:solidFill>
+              <a:latin typeface="Avenir Black"/>
+              <a:cs typeface="Avenir Black"/>
+            </a:endParaRPr>
+          </a:p>
+        </p:txBody>
+      </p:sp>
       <p:grpSp>
         <p:nvGrpSpPr>
-          <p:cNvPr id="17" name="Group 16">
+          <p:cNvPr id="50" name="Group 49">
             <a:extLst>
               <a:ext uri="{FF2B5EF4-FFF2-40B4-BE49-F238E27FC236}">
-                <a16:creationId xmlns:a16="http://schemas.microsoft.com/office/drawing/2014/main" id="{63D64D4F-658F-6042-8934-34A3FE8C8F30}"/>
+                <a16:creationId xmlns:a16="http://schemas.microsoft.com/office/drawing/2014/main" id="{B2DB2957-F37C-3743-B358-9E45C48679AE}"/>
               </a:ext>
             </a:extLst>
           </p:cNvPr>
@@ -3045,18 +3093,18 @@
         </p:nvGrpSpPr>
         <p:grpSpPr>
           <a:xfrm>
-            <a:off x="1884224" y="15092689"/>
-            <a:ext cx="12179300" cy="15560673"/>
-            <a:chOff x="2019150" y="12854402"/>
-            <a:chExt cx="12179300" cy="15560673"/>
+            <a:off x="24337268" y="2314516"/>
+            <a:ext cx="6300317" cy="1329171"/>
+            <a:chOff x="24164762" y="2293427"/>
+            <a:chExt cx="6300317" cy="1329171"/>
           </a:xfrm>
         </p:grpSpPr>
         <p:pic>
           <p:nvPicPr>
-            <p:cNvPr id="9" name="Picture 8">
+            <p:cNvPr id="24" name="Picture 23">
               <a:extLst>
                 <a:ext uri="{FF2B5EF4-FFF2-40B4-BE49-F238E27FC236}">
-                  <a16:creationId xmlns:a16="http://schemas.microsoft.com/office/drawing/2014/main" id="{F8BE8133-A4D6-9945-BA82-67CC067752DE}"/>
+                  <a16:creationId xmlns:a16="http://schemas.microsoft.com/office/drawing/2014/main" id="{0632B2AD-2495-A244-8B14-5BD88681A9C2}"/>
                 </a:ext>
               </a:extLst>
             </p:cNvPr>
@@ -3066,7 +3114,165 @@
             <p:nvPr/>
           </p:nvPicPr>
           <p:blipFill>
-            <a:blip r:embed="rId8">
+            <a:blip r:embed="rId11"/>
+            <a:stretch>
+              <a:fillRect/>
+            </a:stretch>
+          </p:blipFill>
+          <p:spPr>
+            <a:xfrm>
+              <a:off x="27302779" y="2593062"/>
+              <a:ext cx="3162300" cy="812800"/>
+            </a:xfrm>
+            <a:prstGeom prst="rect">
+              <a:avLst/>
+            </a:prstGeom>
+          </p:spPr>
+        </p:pic>
+        <p:sp>
+          <p:nvSpPr>
+            <p:cNvPr id="25" name="TextBox 24">
+              <a:extLst>
+                <a:ext uri="{FF2B5EF4-FFF2-40B4-BE49-F238E27FC236}">
+                  <a16:creationId xmlns:a16="http://schemas.microsoft.com/office/drawing/2014/main" id="{91D3CC8E-38F5-B547-8601-0488C0FADF77}"/>
+                </a:ext>
+              </a:extLst>
+            </p:cNvPr>
+            <p:cNvSpPr txBox="1"/>
+            <p:nvPr/>
+          </p:nvSpPr>
+          <p:spPr>
+            <a:xfrm>
+              <a:off x="25546050" y="2433423"/>
+              <a:ext cx="1504948" cy="1015663"/>
+            </a:xfrm>
+            <a:prstGeom prst="rect">
+              <a:avLst/>
+            </a:prstGeom>
+            <a:noFill/>
+          </p:spPr>
+          <p:txBody>
+            <a:bodyPr wrap="square" rtlCol="0">
+              <a:spAutoFit/>
+            </a:bodyPr>
+            <a:lstStyle/>
+            <a:p>
+              <a:pPr algn="ctr"/>
+              <a:r>
+                <a:rPr lang="en-US" sz="6000" dirty="0">
+                  <a:solidFill>
+                    <a:schemeClr val="bg1"/>
+                  </a:solidFill>
+                  <a:latin typeface="Calibri Light" panose="020F0302020204030204" pitchFamily="34" charset="0"/>
+                  <a:cs typeface="Calibri Light" panose="020F0302020204030204" pitchFamily="34" charset="0"/>
+                </a:rPr>
+                <a:t>235</a:t>
+              </a:r>
+            </a:p>
+          </p:txBody>
+        </p:sp>
+        <p:cxnSp>
+          <p:nvCxnSpPr>
+            <p:cNvPr id="40" name="Straight Connector 39">
+              <a:extLst>
+                <a:ext uri="{FF2B5EF4-FFF2-40B4-BE49-F238E27FC236}">
+                  <a16:creationId xmlns:a16="http://schemas.microsoft.com/office/drawing/2014/main" id="{A191A0E9-272A-DC45-978D-D049DE4D706A}"/>
+                </a:ext>
+              </a:extLst>
+            </p:cNvPr>
+            <p:cNvCxnSpPr>
+              <a:cxnSpLocks/>
+            </p:cNvCxnSpPr>
+            <p:nvPr/>
+          </p:nvCxnSpPr>
+          <p:spPr>
+            <a:xfrm>
+              <a:off x="27051000" y="2362200"/>
+              <a:ext cx="0" cy="1199542"/>
+            </a:xfrm>
+            <a:prstGeom prst="line">
+              <a:avLst/>
+            </a:prstGeom>
+            <a:ln w="25400">
+              <a:solidFill>
+                <a:schemeClr val="bg1"/>
+              </a:solidFill>
+            </a:ln>
+          </p:spPr>
+          <p:style>
+            <a:lnRef idx="1">
+              <a:schemeClr val="accent1"/>
+            </a:lnRef>
+            <a:fillRef idx="0">
+              <a:schemeClr val="accent1"/>
+            </a:fillRef>
+            <a:effectRef idx="0">
+              <a:schemeClr val="accent1"/>
+            </a:effectRef>
+            <a:fontRef idx="minor">
+              <a:schemeClr val="tx1"/>
+            </a:fontRef>
+          </p:style>
+        </p:cxnSp>
+        <p:cxnSp>
+          <p:nvCxnSpPr>
+            <p:cNvPr id="56" name="Straight Connector 55">
+              <a:extLst>
+                <a:ext uri="{FF2B5EF4-FFF2-40B4-BE49-F238E27FC236}">
+                  <a16:creationId xmlns:a16="http://schemas.microsoft.com/office/drawing/2014/main" id="{FC47113B-E3C7-4A42-BB09-DE25B31D5AE1}"/>
+                </a:ext>
+              </a:extLst>
+            </p:cNvPr>
+            <p:cNvCxnSpPr>
+              <a:cxnSpLocks/>
+            </p:cNvCxnSpPr>
+            <p:nvPr/>
+          </p:nvCxnSpPr>
+          <p:spPr>
+            <a:xfrm>
+              <a:off x="25550271" y="2389862"/>
+              <a:ext cx="0" cy="1199542"/>
+            </a:xfrm>
+            <a:prstGeom prst="line">
+              <a:avLst/>
+            </a:prstGeom>
+            <a:ln w="25400">
+              <a:solidFill>
+                <a:schemeClr val="bg1"/>
+              </a:solidFill>
+            </a:ln>
+          </p:spPr>
+          <p:style>
+            <a:lnRef idx="1">
+              <a:schemeClr val="accent1"/>
+            </a:lnRef>
+            <a:fillRef idx="0">
+              <a:schemeClr val="accent1"/>
+            </a:fillRef>
+            <a:effectRef idx="0">
+              <a:schemeClr val="accent1"/>
+            </a:effectRef>
+            <a:fontRef idx="minor">
+              <a:schemeClr val="tx1"/>
+            </a:fontRef>
+          </p:style>
+        </p:cxnSp>
+        <p:pic>
+          <p:nvPicPr>
+            <p:cNvPr id="49" name="Picture 48">
+              <a:extLst>
+                <a:ext uri="{FF2B5EF4-FFF2-40B4-BE49-F238E27FC236}">
+                  <a16:creationId xmlns:a16="http://schemas.microsoft.com/office/drawing/2014/main" id="{76293484-2FB3-CA4C-943F-10792B4B14D6}"/>
+                </a:ext>
+              </a:extLst>
+            </p:cNvPr>
+            <p:cNvPicPr>
+              <a:picLocks noChangeAspect="1"/>
+            </p:cNvPicPr>
+            <p:nvPr/>
+          </p:nvPicPr>
+          <p:blipFill>
+            <a:blip r:embed="rId12">
               <a:extLst>
                 <a:ext uri="{28A0092B-C50C-407E-A947-70E740481C1C}">
                   <a14:useLocalDpi xmlns:a14="http://schemas.microsoft.com/office/drawing/2010/main" val="0"/>
@@ -3079,80 +3285,8 @@
           </p:blipFill>
           <p:spPr>
             <a:xfrm>
-              <a:off x="2019150" y="12854402"/>
-              <a:ext cx="12166600" cy="6299200"/>
-            </a:xfrm>
-            <a:prstGeom prst="rect">
-              <a:avLst/>
-            </a:prstGeom>
-          </p:spPr>
-        </p:pic>
-        <p:pic>
-          <p:nvPicPr>
-            <p:cNvPr id="14" name="Picture 13">
-              <a:extLst>
-                <a:ext uri="{FF2B5EF4-FFF2-40B4-BE49-F238E27FC236}">
-                  <a16:creationId xmlns:a16="http://schemas.microsoft.com/office/drawing/2014/main" id="{161A1310-21DE-6B49-A51A-D462B97B1FAF}"/>
-                </a:ext>
-              </a:extLst>
-            </p:cNvPr>
-            <p:cNvPicPr>
-              <a:picLocks noChangeAspect="1"/>
-            </p:cNvPicPr>
-            <p:nvPr/>
-          </p:nvPicPr>
-          <p:blipFill>
-            <a:blip r:embed="rId9">
-              <a:extLst>
-                <a:ext uri="{28A0092B-C50C-407E-A947-70E740481C1C}">
-                  <a14:useLocalDpi xmlns:a14="http://schemas.microsoft.com/office/drawing/2010/main" val="0"/>
-                </a:ext>
-              </a:extLst>
-            </a:blip>
-            <a:stretch>
-              <a:fillRect/>
-            </a:stretch>
-          </p:blipFill>
-          <p:spPr>
-            <a:xfrm>
-              <a:off x="2019150" y="19207217"/>
-              <a:ext cx="12166600" cy="6629400"/>
-            </a:xfrm>
-            <a:prstGeom prst="rect">
-              <a:avLst/>
-            </a:prstGeom>
-          </p:spPr>
-        </p:pic>
-        <p:pic>
-          <p:nvPicPr>
-            <p:cNvPr id="16" name="Picture 15">
-              <a:extLst>
-                <a:ext uri="{FF2B5EF4-FFF2-40B4-BE49-F238E27FC236}">
-                  <a16:creationId xmlns:a16="http://schemas.microsoft.com/office/drawing/2014/main" id="{BCFB6AF6-FDF0-FD42-AF04-A70CB5C2F9D4}"/>
-                </a:ext>
-              </a:extLst>
-            </p:cNvPr>
-            <p:cNvPicPr>
-              <a:picLocks noChangeAspect="1"/>
-            </p:cNvPicPr>
-            <p:nvPr/>
-          </p:nvPicPr>
-          <p:blipFill>
-            <a:blip r:embed="rId10">
-              <a:extLst>
-                <a:ext uri="{28A0092B-C50C-407E-A947-70E740481C1C}">
-                  <a14:useLocalDpi xmlns:a14="http://schemas.microsoft.com/office/drawing/2010/main" val="0"/>
-                </a:ext>
-              </a:extLst>
-            </a:blip>
-            <a:stretch>
-              <a:fillRect/>
-            </a:stretch>
-          </p:blipFill>
-          <p:spPr>
-            <a:xfrm>
-              <a:off x="2019150" y="25963975"/>
-              <a:ext cx="12179300" cy="2451100"/>
+              <a:off x="24164762" y="2293427"/>
+              <a:ext cx="1329171" cy="1329171"/>
             </a:xfrm>
             <a:prstGeom prst="rect">
               <a:avLst/>
@@ -3160,6 +3294,97 @@
           </p:spPr>
         </p:pic>
       </p:grpSp>
+      <p:sp>
+        <p:nvSpPr>
+          <p:cNvPr id="60" name="TextBox 59">
+            <a:extLst>
+              <a:ext uri="{FF2B5EF4-FFF2-40B4-BE49-F238E27FC236}">
+                <a16:creationId xmlns:a16="http://schemas.microsoft.com/office/drawing/2014/main" id="{D8CE0C01-8815-9944-9ABD-52177D21ADD8}"/>
+              </a:ext>
+            </a:extLst>
+          </p:cNvPr>
+          <p:cNvSpPr txBox="1"/>
+          <p:nvPr/>
+        </p:nvSpPr>
+        <p:spPr>
+          <a:xfrm>
+            <a:off x="15940203" y="26020917"/>
+            <a:ext cx="14697382" cy="1337930"/>
+          </a:xfrm>
+          <a:prstGeom prst="rect">
+            <a:avLst/>
+          </a:prstGeom>
+          <a:noFill/>
+        </p:spPr>
+        <p:txBody>
+          <a:bodyPr wrap="square" rtlCol="0">
+            <a:spAutoFit/>
+          </a:bodyPr>
+          <a:lstStyle/>
+          <a:p>
+            <a:pPr algn="just"/>
+            <a:r>
+              <a:rPr lang="en-US" sz="2590" dirty="0">
+                <a:latin typeface="Avenir Book"/>
+                <a:cs typeface="Avenir Book"/>
+              </a:rPr>
+              <a:t>Support for this project was provided by the </a:t>
+            </a:r>
+            <a:r>
+              <a:rPr lang="en-US" sz="2590" dirty="0" err="1">
+                <a:latin typeface="Avenir Book"/>
+                <a:cs typeface="Avenir Book"/>
+              </a:rPr>
+              <a:t>STScI</a:t>
+            </a:r>
+            <a:r>
+              <a:rPr lang="en-US" sz="2590" dirty="0">
+                <a:latin typeface="Avenir Book"/>
+                <a:cs typeface="Avenir Book"/>
+              </a:rPr>
+              <a:t> Director’s Research Fund and the 2019 </a:t>
+            </a:r>
+            <a:r>
+              <a:rPr lang="en-US" sz="2590" dirty="0" err="1">
+                <a:latin typeface="Avenir Book"/>
+                <a:cs typeface="Avenir Book"/>
+              </a:rPr>
+              <a:t>STScI</a:t>
+            </a:r>
+            <a:r>
+              <a:rPr lang="en-US" sz="2590" dirty="0">
+                <a:latin typeface="Avenir Book"/>
+                <a:cs typeface="Avenir Book"/>
+              </a:rPr>
+              <a:t> Data Science Innovation Initiative.</a:t>
+            </a:r>
+          </a:p>
+          <a:p>
+            <a:pPr algn="just"/>
+            <a:r>
+              <a:rPr lang="en-US" sz="2590" dirty="0">
+                <a:latin typeface="Avenir Book"/>
+                <a:cs typeface="Avenir Book"/>
+              </a:rPr>
+              <a:t>1. For more information on PLATON, see </a:t>
+            </a:r>
+            <a:r>
+              <a:rPr lang="en-US" sz="2800" dirty="0">
+                <a:hlinkClick r:id="rId13"/>
+              </a:rPr>
+              <a:t>https://platon.readthedocs.io/</a:t>
+            </a:r>
+            <a:r>
+              <a:rPr lang="en-US" sz="2800" dirty="0"/>
+              <a:t>.  </a:t>
+            </a:r>
+            <a:endParaRPr lang="en-US" sz="2590" dirty="0">
+              <a:latin typeface="Avenir Book"/>
+              <a:cs typeface="Avenir Book"/>
+            </a:endParaRPr>
+          </a:p>
+        </p:txBody>
+      </p:sp>
     </p:spTree>
   </p:cSld>
   <p:clrMapOvr>

--- a/poster/bourque_aas_poster.pptx
+++ b/poster/bourque_aas_poster.pptx
@@ -1737,7 +1737,7 @@
         </p:nvGrpSpPr>
         <p:grpSpPr>
           <a:xfrm>
-            <a:off x="1993159" y="15118165"/>
+            <a:off x="2043770" y="12982931"/>
             <a:ext cx="12179300" cy="15560673"/>
             <a:chOff x="2019150" y="12854402"/>
             <a:chExt cx="12179300" cy="15560673"/>
@@ -2146,7 +2146,7 @@
         </p:nvSpPr>
         <p:spPr>
           <a:xfrm>
-            <a:off x="15837678" y="7061723"/>
+            <a:off x="15752501" y="15805152"/>
             <a:ext cx="14371109" cy="555171"/>
           </a:xfrm>
           <a:prstGeom prst="rect">
@@ -2283,10 +2283,10 @@
         </p:nvGrpSpPr>
         <p:grpSpPr>
           <a:xfrm>
-            <a:off x="16079756" y="25280688"/>
-            <a:ext cx="14557829" cy="740229"/>
-            <a:chOff x="387350" y="7613650"/>
-            <a:chExt cx="7339965" cy="3657600"/>
+            <a:off x="16053058" y="28194000"/>
+            <a:ext cx="14557829" cy="967622"/>
+            <a:chOff x="387350" y="7587541"/>
+            <a:chExt cx="7339965" cy="4781188"/>
           </a:xfrm>
         </p:grpSpPr>
         <p:sp>
@@ -2297,7 +2297,7 @@
           </p:nvSpPr>
           <p:spPr>
             <a:xfrm>
-              <a:off x="387350" y="7613650"/>
+              <a:off x="387350" y="7587541"/>
               <a:ext cx="7339965" cy="0"/>
             </a:xfrm>
             <a:custGeom>
@@ -2321,7 +2321,7 @@
               <a:gradFill flip="none" rotWithShape="1">
                 <a:gsLst>
                   <a:gs pos="30000">
-                    <a:srgbClr val="000000"/>
+                    <a:srgbClr val="1E68AE"/>
                   </a:gs>
                   <a:gs pos="100000">
                     <a:srgbClr val="FFFFFF"/>
@@ -2350,7 +2350,7 @@
           </p:nvSpPr>
           <p:spPr>
             <a:xfrm>
-              <a:off x="463550" y="7613650"/>
+              <a:off x="435123" y="8711129"/>
               <a:ext cx="7191425" cy="3657600"/>
             </a:xfrm>
             <a:prstGeom prst="rect">
@@ -2471,7 +2471,7 @@
         <p:spPr>
           <a:xfrm>
             <a:off x="317871" y="7860554"/>
-            <a:ext cx="14864064" cy="490904"/>
+            <a:ext cx="14864064" cy="1686616"/>
           </a:xfrm>
           <a:prstGeom prst="rect">
             <a:avLst/>
@@ -2487,25 +2487,73 @@
             <a:pPr algn="just"/>
             <a:r>
               <a:rPr lang="en-US" sz="2590" dirty="0">
-                <a:latin typeface="Avenir Book"/>
+                <a:latin typeface="Avenir Book" panose="02000503020000020003" pitchFamily="2" charset="0"/>
                 <a:cs typeface="Avenir Book"/>
               </a:rPr>
               <a:t>The Exoplanet Characterization Toolkit (</a:t>
             </a:r>
             <a:r>
               <a:rPr lang="en-US" sz="2590" dirty="0" err="1">
-                <a:latin typeface="Avenir Book"/>
+                <a:latin typeface="Avenir Book" panose="02000503020000020003" pitchFamily="2" charset="0"/>
                 <a:cs typeface="Avenir Book"/>
               </a:rPr>
               <a:t>ExoCTK</a:t>
             </a:r>
             <a:r>
               <a:rPr lang="en-US" sz="2590" dirty="0">
-                <a:latin typeface="Avenir Book"/>
+                <a:latin typeface="Avenir Book" panose="02000503020000020003" pitchFamily="2" charset="0"/>
                 <a:cs typeface="Avenir Book"/>
               </a:rPr>
-              <a:t>) is</a:t>
-            </a:r>
+              <a:t>) is </a:t>
+            </a:r>
+            <a:r>
+              <a:rPr lang="en-US" sz="2590" dirty="0">
+                <a:latin typeface="Avenir Book" panose="02000503020000020003" pitchFamily="2" charset="0"/>
+              </a:rPr>
+              <a:t>is a python-based, open-source, data analysis software package and web application focused primarily on the atmospheric characterization of exoplanets and time-series observation planning.  </a:t>
+            </a:r>
+            <a:r>
+              <a:rPr lang="en-US" sz="2590" dirty="0" err="1">
+                <a:latin typeface="Avenir Book" panose="02000503020000020003" pitchFamily="2" charset="0"/>
+              </a:rPr>
+              <a:t>ExoCTK</a:t>
+            </a:r>
+            <a:r>
+              <a:rPr lang="en-US" sz="2590" dirty="0">
+                <a:latin typeface="Avenir Book" panose="02000503020000020003" pitchFamily="2" charset="0"/>
+              </a:rPr>
+              <a:t> is available on the web at </a:t>
+            </a:r>
+            <a:r>
+              <a:rPr lang="en-US" sz="2590" dirty="0">
+                <a:latin typeface="Avenir Book" panose="02000503020000020003" pitchFamily="2" charset="0"/>
+                <a:hlinkClick r:id="rId6"/>
+              </a:rPr>
+              <a:t>https://exoctk.stsci.edu</a:t>
+            </a:r>
+            <a:r>
+              <a:rPr lang="en-US" sz="2590" dirty="0">
+                <a:latin typeface="Avenir Book" panose="02000503020000020003" pitchFamily="2" charset="0"/>
+              </a:rPr>
+              <a:t> and on GitHub at </a:t>
+            </a:r>
+            <a:r>
+              <a:rPr lang="en-US" sz="2590" dirty="0">
+                <a:latin typeface="Avenir Book" panose="02000503020000020003" pitchFamily="2" charset="0"/>
+                <a:hlinkClick r:id="rId7"/>
+              </a:rPr>
+              <a:t>https://github.com/ExoCTK/exoctk/</a:t>
+            </a:r>
+            <a:r>
+              <a:rPr lang="en-US" sz="2590" dirty="0">
+                <a:latin typeface="Avenir Book" panose="02000503020000020003" pitchFamily="2" charset="0"/>
+              </a:rPr>
+              <a:t>.</a:t>
+            </a:r>
+            <a:endParaRPr lang="en-US" sz="2590" dirty="0">
+              <a:latin typeface="Avenir Book" panose="02000503020000020003" pitchFamily="2" charset="0"/>
+              <a:cs typeface="Avenir Book"/>
+            </a:endParaRPr>
           </a:p>
         </p:txBody>
       </p:sp>
@@ -2517,7 +2565,7 @@
         </p:nvSpPr>
         <p:spPr>
           <a:xfrm>
-            <a:off x="317871" y="12504692"/>
+            <a:off x="317871" y="10470233"/>
             <a:ext cx="14978211" cy="2483757"/>
           </a:xfrm>
           <a:prstGeom prst="rect">
@@ -2636,65 +2684,6 @@
       <p:pic>
         <p:nvPicPr>
           <p:cNvPr id="26" name="Picture 25"/>
-          <p:cNvPicPr>
-            <a:picLocks noChangeAspect="1"/>
-          </p:cNvPicPr>
-          <p:nvPr/>
-        </p:nvPicPr>
-        <p:blipFill>
-          <a:blip r:embed="rId6">
-            <a:extLst>
-              <a:ext uri="{28A0092B-C50C-407E-A947-70E740481C1C}">
-                <a14:useLocalDpi xmlns:a14="http://schemas.microsoft.com/office/drawing/2010/main" val="0"/>
-              </a:ext>
-            </a:extLst>
-          </a:blip>
-          <a:srcRect/>
-          <a:stretch/>
-        </p:blipFill>
-        <p:spPr>
-          <a:xfrm>
-            <a:off x="555171" y="1619859"/>
-            <a:ext cx="1973943" cy="1941883"/>
-          </a:xfrm>
-          <a:prstGeom prst="rect">
-            <a:avLst/>
-          </a:prstGeom>
-        </p:spPr>
-      </p:pic>
-      <p:pic>
-        <p:nvPicPr>
-          <p:cNvPr id="4" name="Picture 3"/>
-          <p:cNvPicPr>
-            <a:picLocks noChangeAspect="1"/>
-          </p:cNvPicPr>
-          <p:nvPr/>
-        </p:nvPicPr>
-        <p:blipFill>
-          <a:blip r:embed="rId7">
-            <a:extLst>
-              <a:ext uri="{28A0092B-C50C-407E-A947-70E740481C1C}">
-                <a14:useLocalDpi xmlns:a14="http://schemas.microsoft.com/office/drawing/2010/main" val="0"/>
-              </a:ext>
-            </a:extLst>
-          </a:blip>
-          <a:stretch>
-            <a:fillRect/>
-          </a:stretch>
-        </p:blipFill>
-        <p:spPr>
-          <a:xfrm>
-            <a:off x="19554857" y="28375787"/>
-            <a:ext cx="3701143" cy="2332841"/>
-          </a:xfrm>
-          <a:prstGeom prst="rect">
-            <a:avLst/>
-          </a:prstGeom>
-        </p:spPr>
-      </p:pic>
-      <p:pic>
-        <p:nvPicPr>
-          <p:cNvPr id="11" name="Picture 10" descr="nasa.png"/>
           <p:cNvPicPr>
             <a:picLocks noChangeAspect="1"/>
           </p:cNvPicPr>
@@ -2708,14 +2697,13 @@
               </a:ext>
             </a:extLst>
           </a:blip>
-          <a:stretch>
-            <a:fillRect/>
-          </a:stretch>
+          <a:srcRect/>
+          <a:stretch/>
         </p:blipFill>
         <p:spPr>
           <a:xfrm>
-            <a:off x="27971127" y="28495440"/>
-            <a:ext cx="2810044" cy="2332337"/>
+            <a:off x="555171" y="1619859"/>
+            <a:ext cx="1973943" cy="1941883"/>
           </a:xfrm>
           <a:prstGeom prst="rect">
             <a:avLst/>
@@ -2724,13 +2712,7 @@
       </p:pic>
       <p:pic>
         <p:nvPicPr>
-          <p:cNvPr id="13" name="Picture 12">
-            <a:extLst>
-              <a:ext uri="{FF2B5EF4-FFF2-40B4-BE49-F238E27FC236}">
-                <a16:creationId xmlns:a16="http://schemas.microsoft.com/office/drawing/2014/main" id="{BBA91086-AB75-9B45-8C06-C6FD77296B4C}"/>
-              </a:ext>
-            </a:extLst>
-          </p:cNvPr>
+          <p:cNvPr id="4" name="Picture 3"/>
           <p:cNvPicPr>
             <a:picLocks noChangeAspect="1"/>
           </p:cNvPicPr>
@@ -2750,8 +2732,74 @@
         </p:blipFill>
         <p:spPr>
           <a:xfrm>
-            <a:off x="23539570" y="28375429"/>
-            <a:ext cx="4363246" cy="2277933"/>
+            <a:off x="337521" y="28662689"/>
+            <a:ext cx="3472480" cy="2188714"/>
+          </a:xfrm>
+          <a:prstGeom prst="rect">
+            <a:avLst/>
+          </a:prstGeom>
+        </p:spPr>
+      </p:pic>
+      <p:pic>
+        <p:nvPicPr>
+          <p:cNvPr id="11" name="Picture 10" descr="nasa.png"/>
+          <p:cNvPicPr>
+            <a:picLocks noChangeAspect="1"/>
+          </p:cNvPicPr>
+          <p:nvPr/>
+        </p:nvPicPr>
+        <p:blipFill>
+          <a:blip r:embed="rId10">
+            <a:extLst>
+              <a:ext uri="{28A0092B-C50C-407E-A947-70E740481C1C}">
+                <a14:useLocalDpi xmlns:a14="http://schemas.microsoft.com/office/drawing/2010/main" val="0"/>
+              </a:ext>
+            </a:extLst>
+          </a:blip>
+          <a:stretch>
+            <a:fillRect/>
+          </a:stretch>
+        </p:blipFill>
+        <p:spPr>
+          <a:xfrm>
+            <a:off x="8527419" y="28756438"/>
+            <a:ext cx="2558725" cy="2123742"/>
+          </a:xfrm>
+          <a:prstGeom prst="rect">
+            <a:avLst/>
+          </a:prstGeom>
+        </p:spPr>
+      </p:pic>
+      <p:pic>
+        <p:nvPicPr>
+          <p:cNvPr id="13" name="Picture 12">
+            <a:extLst>
+              <a:ext uri="{FF2B5EF4-FFF2-40B4-BE49-F238E27FC236}">
+                <a16:creationId xmlns:a16="http://schemas.microsoft.com/office/drawing/2014/main" id="{BBA91086-AB75-9B45-8C06-C6FD77296B4C}"/>
+              </a:ext>
+            </a:extLst>
+          </p:cNvPr>
+          <p:cNvPicPr>
+            <a:picLocks noChangeAspect="1"/>
+          </p:cNvPicPr>
+          <p:nvPr/>
+        </p:nvPicPr>
+        <p:blipFill>
+          <a:blip r:embed="rId11">
+            <a:extLst>
+              <a:ext uri="{28A0092B-C50C-407E-A947-70E740481C1C}">
+                <a14:useLocalDpi xmlns:a14="http://schemas.microsoft.com/office/drawing/2010/main" val="0"/>
+              </a:ext>
+            </a:extLst>
+          </a:blip>
+          <a:stretch>
+            <a:fillRect/>
+          </a:stretch>
+        </p:blipFill>
+        <p:spPr>
+          <a:xfrm>
+            <a:off x="4107153" y="28670962"/>
+            <a:ext cx="3983567" cy="2079713"/>
           </a:xfrm>
           <a:prstGeom prst="rect">
             <a:avLst/>
@@ -2772,66 +2820,7 @@
         </p:nvSpPr>
         <p:spPr>
           <a:xfrm>
-            <a:off x="15949533" y="14478000"/>
-            <a:ext cx="14544575" cy="0"/>
-          </a:xfrm>
-          <a:custGeom>
-            <a:avLst/>
-            <a:gdLst/>
-            <a:ahLst/>
-            <a:cxnLst/>
-            <a:rect l="l" t="t" r="r" b="b"/>
-            <a:pathLst>
-              <a:path w="7339965">
-                <a:moveTo>
-                  <a:pt x="7339592" y="0"/>
-                </a:moveTo>
-                <a:lnTo>
-                  <a:pt x="0" y="0"/>
-                </a:lnTo>
-              </a:path>
-            </a:pathLst>
-          </a:custGeom>
-          <a:ln w="13296">
-            <a:gradFill flip="none" rotWithShape="1">
-              <a:gsLst>
-                <a:gs pos="30000">
-                  <a:srgbClr val="000000"/>
-                </a:gs>
-                <a:gs pos="100000">
-                  <a:srgbClr val="FFFFFF"/>
-                </a:gs>
-              </a:gsLst>
-              <a:path path="circle">
-                <a:fillToRect l="50000" t="50000" r="50000" b="50000"/>
-              </a:path>
-              <a:tileRect/>
-            </a:gradFill>
-          </a:ln>
-        </p:spPr>
-        <p:txBody>
-          <a:bodyPr wrap="square" lIns="0" tIns="0" rIns="0" bIns="0" rtlCol="0"/>
-          <a:lstStyle/>
-          <a:p>
-            <a:endParaRPr sz="2359"/>
-          </a:p>
-        </p:txBody>
-      </p:sp>
-      <p:sp>
-        <p:nvSpPr>
-          <p:cNvPr id="30" name="object 10">
-            <a:extLst>
-              <a:ext uri="{FF2B5EF4-FFF2-40B4-BE49-F238E27FC236}">
-                <a16:creationId xmlns:a16="http://schemas.microsoft.com/office/drawing/2014/main" id="{61967D08-2CEA-EE47-8592-6026F297FF7A}"/>
-              </a:ext>
-            </a:extLst>
-          </p:cNvPr>
-          <p:cNvSpPr/>
-          <p:nvPr/>
-        </p:nvSpPr>
-        <p:spPr>
-          <a:xfrm>
-            <a:off x="637360" y="11582400"/>
+            <a:off x="15900060" y="15805152"/>
             <a:ext cx="14544575" cy="0"/>
           </a:xfrm>
           <a:custGeom>
@@ -2878,6 +2867,65 @@
       </p:sp>
       <p:sp>
         <p:nvSpPr>
+          <p:cNvPr id="30" name="object 10">
+            <a:extLst>
+              <a:ext uri="{FF2B5EF4-FFF2-40B4-BE49-F238E27FC236}">
+                <a16:creationId xmlns:a16="http://schemas.microsoft.com/office/drawing/2014/main" id="{61967D08-2CEA-EE47-8592-6026F297FF7A}"/>
+              </a:ext>
+            </a:extLst>
+          </p:cNvPr>
+          <p:cNvSpPr/>
+          <p:nvPr/>
+        </p:nvSpPr>
+        <p:spPr>
+          <a:xfrm>
+            <a:off x="628752" y="9600803"/>
+            <a:ext cx="14544575" cy="0"/>
+          </a:xfrm>
+          <a:custGeom>
+            <a:avLst/>
+            <a:gdLst/>
+            <a:ahLst/>
+            <a:cxnLst/>
+            <a:rect l="l" t="t" r="r" b="b"/>
+            <a:pathLst>
+              <a:path w="7339965">
+                <a:moveTo>
+                  <a:pt x="7339592" y="0"/>
+                </a:moveTo>
+                <a:lnTo>
+                  <a:pt x="0" y="0"/>
+                </a:lnTo>
+              </a:path>
+            </a:pathLst>
+          </a:custGeom>
+          <a:ln w="13296">
+            <a:gradFill flip="none" rotWithShape="1">
+              <a:gsLst>
+                <a:gs pos="30000">
+                  <a:srgbClr val="1E68AE"/>
+                </a:gs>
+                <a:gs pos="100000">
+                  <a:srgbClr val="FFFFFF"/>
+                </a:gs>
+              </a:gsLst>
+              <a:path path="circle">
+                <a:fillToRect l="50000" t="50000" r="50000" b="50000"/>
+              </a:path>
+              <a:tileRect/>
+            </a:gradFill>
+          </a:ln>
+        </p:spPr>
+        <p:txBody>
+          <a:bodyPr wrap="square" lIns="0" tIns="0" rIns="0" bIns="0" rtlCol="0"/>
+          <a:lstStyle/>
+          <a:p>
+            <a:endParaRPr sz="2359"/>
+          </a:p>
+        </p:txBody>
+      </p:sp>
+      <p:sp>
+        <p:nvSpPr>
           <p:cNvPr id="31" name="object 5">
             <a:extLst>
               <a:ext uri="{FF2B5EF4-FFF2-40B4-BE49-F238E27FC236}">
@@ -2890,7 +2938,7 @@
         </p:nvSpPr>
         <p:spPr>
           <a:xfrm>
-            <a:off x="872208" y="11756644"/>
+            <a:off x="863600" y="9775047"/>
             <a:ext cx="14250234" cy="640845"/>
           </a:xfrm>
           <a:prstGeom prst="rect">
@@ -2941,42 +2989,6 @@
           </a:p>
         </p:txBody>
       </p:sp>
-      <p:pic>
-        <p:nvPicPr>
-          <p:cNvPr id="6" name="Picture 5">
-            <a:extLst>
-              <a:ext uri="{FF2B5EF4-FFF2-40B4-BE49-F238E27FC236}">
-                <a16:creationId xmlns:a16="http://schemas.microsoft.com/office/drawing/2014/main" id="{BA14E489-3872-DE4F-B444-1B9967B2BCB2}"/>
-              </a:ext>
-            </a:extLst>
-          </p:cNvPr>
-          <p:cNvPicPr>
-            <a:picLocks noChangeAspect="1"/>
-          </p:cNvPicPr>
-          <p:nvPr/>
-        </p:nvPicPr>
-        <p:blipFill>
-          <a:blip r:embed="rId10">
-            <a:extLst>
-              <a:ext uri="{28A0092B-C50C-407E-A947-70E740481C1C}">
-                <a14:useLocalDpi xmlns:a14="http://schemas.microsoft.com/office/drawing/2010/main" val="0"/>
-              </a:ext>
-            </a:extLst>
-          </a:blip>
-          <a:stretch>
-            <a:fillRect/>
-          </a:stretch>
-        </p:blipFill>
-        <p:spPr>
-          <a:xfrm>
-            <a:off x="16325970" y="8129886"/>
-            <a:ext cx="7213600" cy="5384800"/>
-          </a:xfrm>
-          <a:prstGeom prst="rect">
-            <a:avLst/>
-          </a:prstGeom>
-        </p:spPr>
-      </p:pic>
       <p:sp>
         <p:nvSpPr>
           <p:cNvPr id="33" name="object 5">
@@ -2991,8 +3003,8 @@
         </p:nvSpPr>
         <p:spPr>
           <a:xfrm>
-            <a:off x="15949533" y="15408514"/>
-            <a:ext cx="14371109" cy="555171"/>
+            <a:off x="15874085" y="7002519"/>
+            <a:ext cx="14371109" cy="730271"/>
           </a:xfrm>
           <a:prstGeom prst="rect">
             <a:avLst/>
@@ -3013,11 +3025,8 @@
                 <a:latin typeface="Avenir Black"/>
                 <a:cs typeface="Avenir Black"/>
               </a:rPr>
-              <a:t>5. Results</a:t>
-            </a:r>
-          </a:p>
-          <a:p>
-            <a:pPr marR="95610" algn="ctr"/>
+              <a:t>3. Outputs</a:t>
+            </a:r>
             <a:endParaRPr sz="3562" dirty="0">
               <a:solidFill>
                 <a:srgbClr val="D04848"/>
@@ -3042,7 +3051,7 @@
         </p:nvSpPr>
         <p:spPr>
           <a:xfrm>
-            <a:off x="16073526" y="21897957"/>
+            <a:off x="16104483" y="24830548"/>
             <a:ext cx="14371109" cy="555171"/>
           </a:xfrm>
           <a:prstGeom prst="rect">
@@ -3114,7 +3123,7 @@
             <p:nvPr/>
           </p:nvPicPr>
           <p:blipFill>
-            <a:blip r:embed="rId11"/>
+            <a:blip r:embed="rId12"/>
             <a:stretch>
               <a:fillRect/>
             </a:stretch>
@@ -3272,7 +3281,7 @@
             <p:nvPr/>
           </p:nvPicPr>
           <p:blipFill>
-            <a:blip r:embed="rId12">
+            <a:blip r:embed="rId13">
               <a:extLst>
                 <a:ext uri="{28A0092B-C50C-407E-A947-70E740481C1C}">
                   <a14:useLocalDpi xmlns:a14="http://schemas.microsoft.com/office/drawing/2010/main" val="0"/>
@@ -3308,7 +3317,7 @@
         </p:nvSpPr>
         <p:spPr>
           <a:xfrm>
-            <a:off x="15940203" y="26020917"/>
+            <a:off x="15913505" y="29247993"/>
             <a:ext cx="14697382" cy="1337930"/>
           </a:xfrm>
           <a:prstGeom prst="rect">
@@ -3370,7 +3379,7 @@
             </a:r>
             <a:r>
               <a:rPr lang="en-US" sz="2800" dirty="0">
-                <a:hlinkClick r:id="rId13"/>
+                <a:hlinkClick r:id="rId14"/>
               </a:rPr>
               <a:t>https://platon.readthedocs.io/</a:t>
             </a:r>
@@ -3382,6 +3391,443 @@
               <a:latin typeface="Avenir Book"/>
               <a:cs typeface="Avenir Book"/>
             </a:endParaRPr>
+          </a:p>
+        </p:txBody>
+      </p:sp>
+      <p:grpSp>
+        <p:nvGrpSpPr>
+          <p:cNvPr id="53" name="Group 52">
+            <a:extLst>
+              <a:ext uri="{FF2B5EF4-FFF2-40B4-BE49-F238E27FC236}">
+                <a16:creationId xmlns:a16="http://schemas.microsoft.com/office/drawing/2014/main" id="{AE3A4DAD-1B86-6D42-9C3F-94792FD46DCB}"/>
+              </a:ext>
+            </a:extLst>
+          </p:cNvPr>
+          <p:cNvGrpSpPr/>
+          <p:nvPr/>
+        </p:nvGrpSpPr>
+        <p:grpSpPr>
+          <a:xfrm>
+            <a:off x="15781969" y="16560316"/>
+            <a:ext cx="14859684" cy="5268586"/>
+            <a:chOff x="15921487" y="8154204"/>
+            <a:chExt cx="14859684" cy="5268586"/>
+          </a:xfrm>
+        </p:grpSpPr>
+        <p:pic>
+          <p:nvPicPr>
+            <p:cNvPr id="6" name="Picture 5">
+              <a:extLst>
+                <a:ext uri="{FF2B5EF4-FFF2-40B4-BE49-F238E27FC236}">
+                  <a16:creationId xmlns:a16="http://schemas.microsoft.com/office/drawing/2014/main" id="{BA14E489-3872-DE4F-B444-1B9967B2BCB2}"/>
+                </a:ext>
+              </a:extLst>
+            </p:cNvPr>
+            <p:cNvPicPr>
+              <a:picLocks noChangeAspect="1"/>
+            </p:cNvPicPr>
+            <p:nvPr/>
+          </p:nvPicPr>
+          <p:blipFill>
+            <a:blip r:embed="rId15">
+              <a:extLst>
+                <a:ext uri="{28A0092B-C50C-407E-A947-70E740481C1C}">
+                  <a14:useLocalDpi xmlns:a14="http://schemas.microsoft.com/office/drawing/2010/main" val="0"/>
+                </a:ext>
+              </a:extLst>
+            </a:blip>
+            <a:stretch>
+              <a:fillRect/>
+            </a:stretch>
+          </p:blipFill>
+          <p:spPr>
+            <a:xfrm>
+              <a:off x="15921487" y="8154204"/>
+              <a:ext cx="7057917" cy="5268586"/>
+            </a:xfrm>
+            <a:prstGeom prst="rect">
+              <a:avLst/>
+            </a:prstGeom>
+          </p:spPr>
+        </p:pic>
+        <p:pic>
+          <p:nvPicPr>
+            <p:cNvPr id="52" name="Picture 51">
+              <a:extLst>
+                <a:ext uri="{FF2B5EF4-FFF2-40B4-BE49-F238E27FC236}">
+                  <a16:creationId xmlns:a16="http://schemas.microsoft.com/office/drawing/2014/main" id="{5A86A8B8-9CCA-BD4E-9D55-61BB3AAAAA0C}"/>
+                </a:ext>
+              </a:extLst>
+            </p:cNvPr>
+            <p:cNvPicPr>
+              <a:picLocks noChangeAspect="1"/>
+            </p:cNvPicPr>
+            <p:nvPr/>
+          </p:nvPicPr>
+          <p:blipFill>
+            <a:blip r:embed="rId16">
+              <a:extLst>
+                <a:ext uri="{28A0092B-C50C-407E-A947-70E740481C1C}">
+                  <a14:useLocalDpi xmlns:a14="http://schemas.microsoft.com/office/drawing/2010/main" val="0"/>
+                </a:ext>
+              </a:extLst>
+            </a:blip>
+            <a:stretch>
+              <a:fillRect/>
+            </a:stretch>
+          </p:blipFill>
+          <p:spPr>
+            <a:xfrm>
+              <a:off x="23059640" y="8431641"/>
+              <a:ext cx="7721531" cy="3138637"/>
+            </a:xfrm>
+            <a:prstGeom prst="rect">
+              <a:avLst/>
+            </a:prstGeom>
+          </p:spPr>
+        </p:pic>
+      </p:grpSp>
+      <p:pic>
+        <p:nvPicPr>
+          <p:cNvPr id="57" name="Picture 56">
+            <a:extLst>
+              <a:ext uri="{FF2B5EF4-FFF2-40B4-BE49-F238E27FC236}">
+                <a16:creationId xmlns:a16="http://schemas.microsoft.com/office/drawing/2014/main" id="{B6C04487-F278-0448-891B-678B8BF7970A}"/>
+              </a:ext>
+            </a:extLst>
+          </p:cNvPr>
+          <p:cNvPicPr>
+            <a:picLocks noChangeAspect="1"/>
+          </p:cNvPicPr>
+          <p:nvPr/>
+        </p:nvPicPr>
+        <p:blipFill>
+          <a:blip r:embed="rId17">
+            <a:extLst>
+              <a:ext uri="{28A0092B-C50C-407E-A947-70E740481C1C}">
+                <a14:useLocalDpi xmlns:a14="http://schemas.microsoft.com/office/drawing/2010/main" val="0"/>
+              </a:ext>
+            </a:extLst>
+          </a:blip>
+          <a:stretch>
+            <a:fillRect/>
+          </a:stretch>
+        </p:blipFill>
+        <p:spPr>
+          <a:xfrm>
+            <a:off x="16316090" y="7773628"/>
+            <a:ext cx="7223480" cy="6473170"/>
+          </a:xfrm>
+          <a:prstGeom prst="rect">
+            <a:avLst/>
+          </a:prstGeom>
+        </p:spPr>
+      </p:pic>
+      <p:pic>
+        <p:nvPicPr>
+          <p:cNvPr id="59" name="Picture 58">
+            <a:extLst>
+              <a:ext uri="{FF2B5EF4-FFF2-40B4-BE49-F238E27FC236}">
+                <a16:creationId xmlns:a16="http://schemas.microsoft.com/office/drawing/2014/main" id="{FB7746E6-97F6-1842-8453-C08313EBDB25}"/>
+              </a:ext>
+            </a:extLst>
+          </p:cNvPr>
+          <p:cNvPicPr>
+            <a:picLocks noChangeAspect="1"/>
+          </p:cNvPicPr>
+          <p:nvPr/>
+        </p:nvPicPr>
+        <p:blipFill>
+          <a:blip r:embed="rId18">
+            <a:extLst>
+              <a:ext uri="{28A0092B-C50C-407E-A947-70E740481C1C}">
+                <a14:useLocalDpi xmlns:a14="http://schemas.microsoft.com/office/drawing/2010/main" val="0"/>
+              </a:ext>
+            </a:extLst>
+          </a:blip>
+          <a:stretch>
+            <a:fillRect/>
+          </a:stretch>
+        </p:blipFill>
+        <p:spPr>
+          <a:xfrm>
+            <a:off x="20325121" y="7871046"/>
+            <a:ext cx="8728850" cy="2665631"/>
+          </a:xfrm>
+          <a:prstGeom prst="rect">
+            <a:avLst/>
+          </a:prstGeom>
+        </p:spPr>
+      </p:pic>
+      <p:pic>
+        <p:nvPicPr>
+          <p:cNvPr id="62" name="Picture 61">
+            <a:extLst>
+              <a:ext uri="{FF2B5EF4-FFF2-40B4-BE49-F238E27FC236}">
+                <a16:creationId xmlns:a16="http://schemas.microsoft.com/office/drawing/2014/main" id="{D22E3375-4075-3847-AB10-A7BA7C86F255}"/>
+              </a:ext>
+            </a:extLst>
+          </p:cNvPr>
+          <p:cNvPicPr>
+            <a:picLocks noChangeAspect="1"/>
+          </p:cNvPicPr>
+          <p:nvPr/>
+        </p:nvPicPr>
+        <p:blipFill>
+          <a:blip r:embed="rId19">
+            <a:extLst>
+              <a:ext uri="{28A0092B-C50C-407E-A947-70E740481C1C}">
+                <a14:useLocalDpi xmlns:a14="http://schemas.microsoft.com/office/drawing/2010/main" val="0"/>
+              </a:ext>
+            </a:extLst>
+          </a:blip>
+          <a:stretch>
+            <a:fillRect/>
+          </a:stretch>
+        </p:blipFill>
+        <p:spPr>
+          <a:xfrm>
+            <a:off x="23875736" y="10702227"/>
+            <a:ext cx="6541962" cy="3270981"/>
+          </a:xfrm>
+          <a:prstGeom prst="rect">
+            <a:avLst/>
+          </a:prstGeom>
+        </p:spPr>
+      </p:pic>
+      <p:sp>
+        <p:nvSpPr>
+          <p:cNvPr id="70" name="TextBox 69">
+            <a:extLst>
+              <a:ext uri="{FF2B5EF4-FFF2-40B4-BE49-F238E27FC236}">
+                <a16:creationId xmlns:a16="http://schemas.microsoft.com/office/drawing/2014/main" id="{BED1FA96-2432-4646-A80A-63F38E6EDBE4}"/>
+              </a:ext>
+            </a:extLst>
+          </p:cNvPr>
+          <p:cNvSpPr txBox="1"/>
+          <p:nvPr/>
+        </p:nvSpPr>
+        <p:spPr>
+          <a:xfrm>
+            <a:off x="15874085" y="14262837"/>
+            <a:ext cx="14864064" cy="1288045"/>
+          </a:xfrm>
+          <a:prstGeom prst="rect">
+            <a:avLst/>
+          </a:prstGeom>
+          <a:noFill/>
+        </p:spPr>
+        <p:txBody>
+          <a:bodyPr wrap="square" rtlCol="0">
+            <a:spAutoFit/>
+          </a:bodyPr>
+          <a:lstStyle/>
+          <a:p>
+            <a:pPr algn="just"/>
+            <a:r>
+              <a:rPr lang="en-US" sz="2590" dirty="0">
+                <a:latin typeface="Avenir Book"/>
+                <a:cs typeface="Avenir Book"/>
+              </a:rPr>
+              <a:t>The output products consist of a corner plot (left) describing the results of the fit, a log file (top right) that describes the execution of the software, and a results file (bottom right) containing the results of the fit.</a:t>
+            </a:r>
+          </a:p>
+        </p:txBody>
+      </p:sp>
+      <p:sp>
+        <p:nvSpPr>
+          <p:cNvPr id="71" name="object 10">
+            <a:extLst>
+              <a:ext uri="{FF2B5EF4-FFF2-40B4-BE49-F238E27FC236}">
+                <a16:creationId xmlns:a16="http://schemas.microsoft.com/office/drawing/2014/main" id="{CDBADA25-1E62-D14C-BC7E-79C2360726D9}"/>
+              </a:ext>
+            </a:extLst>
+          </p:cNvPr>
+          <p:cNvSpPr/>
+          <p:nvPr/>
+        </p:nvSpPr>
+        <p:spPr>
+          <a:xfrm>
+            <a:off x="16180320" y="24637182"/>
+            <a:ext cx="14557829" cy="0"/>
+          </a:xfrm>
+          <a:custGeom>
+            <a:avLst/>
+            <a:gdLst/>
+            <a:ahLst/>
+            <a:cxnLst/>
+            <a:rect l="l" t="t" r="r" b="b"/>
+            <a:pathLst>
+              <a:path w="7339965">
+                <a:moveTo>
+                  <a:pt x="7339592" y="0"/>
+                </a:moveTo>
+                <a:lnTo>
+                  <a:pt x="0" y="0"/>
+                </a:lnTo>
+              </a:path>
+            </a:pathLst>
+          </a:custGeom>
+          <a:ln w="13296">
+            <a:gradFill flip="none" rotWithShape="1">
+              <a:gsLst>
+                <a:gs pos="30000">
+                  <a:srgbClr val="1E68AE"/>
+                </a:gs>
+                <a:gs pos="100000">
+                  <a:srgbClr val="FFFFFF"/>
+                </a:gs>
+              </a:gsLst>
+              <a:path path="circle">
+                <a:fillToRect l="50000" t="50000" r="50000" b="50000"/>
+              </a:path>
+              <a:tileRect/>
+            </a:gradFill>
+          </a:ln>
+        </p:spPr>
+        <p:txBody>
+          <a:bodyPr wrap="square" lIns="0" tIns="0" rIns="0" bIns="0" rtlCol="0"/>
+          <a:lstStyle/>
+          <a:p>
+            <a:endParaRPr sz="2359"/>
+          </a:p>
+        </p:txBody>
+      </p:sp>
+      <p:sp>
+        <p:nvSpPr>
+          <p:cNvPr id="72" name="TextBox 71">
+            <a:extLst>
+              <a:ext uri="{FF2B5EF4-FFF2-40B4-BE49-F238E27FC236}">
+                <a16:creationId xmlns:a16="http://schemas.microsoft.com/office/drawing/2014/main" id="{4C6880F4-0B34-E446-8BC2-6146627DDC4E}"/>
+              </a:ext>
+            </a:extLst>
+          </p:cNvPr>
+          <p:cNvSpPr txBox="1"/>
+          <p:nvPr/>
+        </p:nvSpPr>
+        <p:spPr>
+          <a:xfrm>
+            <a:off x="15858006" y="25637566"/>
+            <a:ext cx="7443115" cy="2085186"/>
+          </a:xfrm>
+          <a:prstGeom prst="rect">
+            <a:avLst/>
+          </a:prstGeom>
+          <a:noFill/>
+        </p:spPr>
+        <p:txBody>
+          <a:bodyPr wrap="square" rtlCol="0">
+            <a:spAutoFit/>
+          </a:bodyPr>
+          <a:lstStyle/>
+          <a:p>
+            <a:pPr marL="457200" indent="-457200" algn="just">
+              <a:buFont typeface="Arial" panose="020B0604020202020204" pitchFamily="34" charset="0"/>
+              <a:buChar char="•"/>
+            </a:pPr>
+            <a:r>
+              <a:rPr lang="en-US" sz="2590" dirty="0">
+                <a:latin typeface="Avenir Book"/>
+                <a:cs typeface="Avenir Book"/>
+              </a:rPr>
+              <a:t>More methods for storing, visualizing, and interacting with results</a:t>
+            </a:r>
+          </a:p>
+          <a:p>
+            <a:pPr marL="457200" indent="-457200" algn="just">
+              <a:buFont typeface="Arial" panose="020B0604020202020204" pitchFamily="34" charset="0"/>
+              <a:buChar char="•"/>
+            </a:pPr>
+            <a:r>
+              <a:rPr lang="en-US" sz="2590" dirty="0">
+                <a:latin typeface="Avenir Book"/>
+                <a:cs typeface="Avenir Book"/>
+              </a:rPr>
+              <a:t>Support for other retrieval algorithms, namely CHIMERA (Caltech Inverse Modeling and Retrieval Algorithms</a:t>
+            </a:r>
+          </a:p>
+        </p:txBody>
+      </p:sp>
+      <p:sp>
+        <p:nvSpPr>
+          <p:cNvPr id="73" name="TextBox 72">
+            <a:extLst>
+              <a:ext uri="{FF2B5EF4-FFF2-40B4-BE49-F238E27FC236}">
+                <a16:creationId xmlns:a16="http://schemas.microsoft.com/office/drawing/2014/main" id="{CCAC1BBA-9121-0F47-8B8D-2F65F0C503DE}"/>
+              </a:ext>
+            </a:extLst>
+          </p:cNvPr>
+          <p:cNvSpPr txBox="1"/>
+          <p:nvPr/>
+        </p:nvSpPr>
+        <p:spPr>
+          <a:xfrm>
+            <a:off x="23523492" y="25637566"/>
+            <a:ext cx="7241602" cy="1288045"/>
+          </a:xfrm>
+          <a:prstGeom prst="rect">
+            <a:avLst/>
+          </a:prstGeom>
+          <a:noFill/>
+        </p:spPr>
+        <p:txBody>
+          <a:bodyPr wrap="square" rtlCol="0">
+            <a:spAutoFit/>
+          </a:bodyPr>
+          <a:lstStyle/>
+          <a:p>
+            <a:pPr marL="457200" indent="-457200" algn="just">
+              <a:buFont typeface="Arial" panose="020B0604020202020204" pitchFamily="34" charset="0"/>
+              <a:buChar char="•"/>
+            </a:pPr>
+            <a:r>
+              <a:rPr lang="en-US" sz="2590" dirty="0">
+                <a:latin typeface="Avenir Book"/>
+                <a:cs typeface="Avenir Book"/>
+              </a:rPr>
+              <a:t>A web interface for performing </a:t>
+            </a:r>
+            <a:r>
+              <a:rPr lang="en-US" sz="2590" dirty="0" err="1">
+                <a:latin typeface="Avenir Book"/>
+                <a:cs typeface="Avenir Book"/>
+              </a:rPr>
+              <a:t>retreivals</a:t>
+            </a:r>
+            <a:r>
+              <a:rPr lang="en-US" sz="2590" dirty="0">
+                <a:latin typeface="Avenir Book"/>
+                <a:cs typeface="Avenir Book"/>
+              </a:rPr>
+              <a:t>, akin to other </a:t>
+            </a:r>
+            <a:r>
+              <a:rPr lang="en-US" sz="2590" dirty="0" err="1">
+                <a:latin typeface="Avenir Book"/>
+                <a:cs typeface="Avenir Book"/>
+              </a:rPr>
+              <a:t>ExoCTK</a:t>
+            </a:r>
+            <a:r>
+              <a:rPr lang="en-US" sz="2590" dirty="0">
+                <a:latin typeface="Avenir Book"/>
+                <a:cs typeface="Avenir Book"/>
+              </a:rPr>
+              <a:t> web tools</a:t>
+            </a:r>
+          </a:p>
+          <a:p>
+            <a:pPr marL="457200" indent="-457200" algn="just">
+              <a:buFont typeface="Arial" panose="020B0604020202020204" pitchFamily="34" charset="0"/>
+              <a:buChar char="•"/>
+            </a:pPr>
+            <a:r>
+              <a:rPr lang="en-US" sz="2590" dirty="0">
+                <a:latin typeface="Avenir Book"/>
+                <a:cs typeface="Avenir Book"/>
+              </a:rPr>
+              <a:t>Something else</a:t>
+            </a:r>
           </a:p>
         </p:txBody>
       </p:sp>

--- a/poster/bourque_aas_poster.pptx
+++ b/poster/bourque_aas_poster.pptx
@@ -2146,7 +2146,7 @@
         </p:nvSpPr>
         <p:spPr>
           <a:xfrm>
-            <a:off x="15752501" y="15805152"/>
+            <a:off x="16120562" y="15804914"/>
             <a:ext cx="14371109" cy="555171"/>
           </a:xfrm>
           <a:prstGeom prst="rect">
@@ -2275,133 +2275,6 @@
           </a:p>
         </p:txBody>
       </p:sp>
-      <p:grpSp>
-        <p:nvGrpSpPr>
-          <p:cNvPr id="32" name="Group 31"/>
-          <p:cNvGrpSpPr/>
-          <p:nvPr/>
-        </p:nvGrpSpPr>
-        <p:grpSpPr>
-          <a:xfrm>
-            <a:off x="16053058" y="28194000"/>
-            <a:ext cx="14557829" cy="967622"/>
-            <a:chOff x="387350" y="7587541"/>
-            <a:chExt cx="7339965" cy="4781188"/>
-          </a:xfrm>
-        </p:grpSpPr>
-        <p:sp>
-          <p:nvSpPr>
-            <p:cNvPr id="34" name="object 10"/>
-            <p:cNvSpPr/>
-            <p:nvPr/>
-          </p:nvSpPr>
-          <p:spPr>
-            <a:xfrm>
-              <a:off x="387350" y="7587541"/>
-              <a:ext cx="7339965" cy="0"/>
-            </a:xfrm>
-            <a:custGeom>
-              <a:avLst/>
-              <a:gdLst/>
-              <a:ahLst/>
-              <a:cxnLst/>
-              <a:rect l="l" t="t" r="r" b="b"/>
-              <a:pathLst>
-                <a:path w="7339965">
-                  <a:moveTo>
-                    <a:pt x="7339592" y="0"/>
-                  </a:moveTo>
-                  <a:lnTo>
-                    <a:pt x="0" y="0"/>
-                  </a:lnTo>
-                </a:path>
-              </a:pathLst>
-            </a:custGeom>
-            <a:ln w="13296">
-              <a:gradFill flip="none" rotWithShape="1">
-                <a:gsLst>
-                  <a:gs pos="30000">
-                    <a:srgbClr val="1E68AE"/>
-                  </a:gs>
-                  <a:gs pos="100000">
-                    <a:srgbClr val="FFFFFF"/>
-                  </a:gs>
-                </a:gsLst>
-                <a:path path="circle">
-                  <a:fillToRect l="50000" t="50000" r="50000" b="50000"/>
-                </a:path>
-                <a:tileRect/>
-              </a:gradFill>
-            </a:ln>
-          </p:spPr>
-          <p:txBody>
-            <a:bodyPr wrap="square" lIns="0" tIns="0" rIns="0" bIns="0" rtlCol="0"/>
-            <a:lstStyle/>
-            <a:p>
-              <a:endParaRPr sz="2359"/>
-            </a:p>
-          </p:txBody>
-        </p:sp>
-        <p:sp>
-          <p:nvSpPr>
-            <p:cNvPr id="35" name="object 5"/>
-            <p:cNvSpPr txBox="1"/>
-            <p:nvPr/>
-          </p:nvSpPr>
-          <p:spPr>
-            <a:xfrm>
-              <a:off x="435123" y="8711129"/>
-              <a:ext cx="7191425" cy="3657600"/>
-            </a:xfrm>
-            <a:prstGeom prst="rect">
-              <a:avLst/>
-            </a:prstGeom>
-          </p:spPr>
-          <p:txBody>
-            <a:bodyPr vert="horz" wrap="square" lIns="74023" tIns="74023" rIns="74023" bIns="74023" rtlCol="0">
-              <a:noAutofit/>
-            </a:bodyPr>
-            <a:lstStyle/>
-            <a:p>
-              <a:pPr marR="95610" algn="ctr"/>
-              <a:r>
-                <a:rPr lang="en-US" sz="3562" spc="8" dirty="0">
-                  <a:solidFill>
-                    <a:srgbClr val="1E68AE"/>
-                  </a:solidFill>
-                  <a:latin typeface="Avenir Black"/>
-                  <a:cs typeface="Avenir Black"/>
-                </a:rPr>
-                <a:t>6. Acknowledgements and References</a:t>
-              </a:r>
-              <a:endParaRPr sz="3562" dirty="0">
-                <a:solidFill>
-                  <a:srgbClr val="1E68AE"/>
-                </a:solidFill>
-                <a:latin typeface="Avenir Black"/>
-                <a:cs typeface="Avenir Black"/>
-              </a:endParaRPr>
-            </a:p>
-            <a:p>
-              <a:pPr marL="20561" marR="8225" indent="344402" algn="just">
-                <a:lnSpc>
-                  <a:spcPct val="101299"/>
-                </a:lnSpc>
-                <a:spcBef>
-                  <a:spcPts val="581"/>
-                </a:spcBef>
-              </a:pPr>
-              <a:endParaRPr lang="fr-FR" sz="2590" dirty="0">
-                <a:solidFill>
-                  <a:srgbClr val="231F20"/>
-                </a:solidFill>
-                <a:latin typeface="Garamond"/>
-                <a:cs typeface="Garamond"/>
-              </a:endParaRPr>
-            </a:p>
-          </p:txBody>
-        </p:sp>
-      </p:grpSp>
       <p:sp>
         <p:nvSpPr>
           <p:cNvPr id="38" name="object 12"/>
@@ -2410,8 +2283,8 @@
         </p:nvSpPr>
         <p:spPr>
           <a:xfrm rot="5400000" flipV="1">
-            <a:off x="4408597" y="19171698"/>
-            <a:ext cx="22855796" cy="486522"/>
+            <a:off x="5390125" y="18190171"/>
+            <a:ext cx="20892740" cy="486522"/>
           </a:xfrm>
           <a:custGeom>
             <a:avLst/>
@@ -3051,7 +2924,7 @@
         </p:nvSpPr>
         <p:spPr>
           <a:xfrm>
-            <a:off x="16104483" y="24830548"/>
+            <a:off x="16079756" y="26130015"/>
             <a:ext cx="14371109" cy="555171"/>
           </a:xfrm>
           <a:prstGeom prst="rect">
@@ -3073,7 +2946,7 @@
                 <a:latin typeface="Avenir Black"/>
                 <a:cs typeface="Avenir Black"/>
               </a:rPr>
-              <a:t>6. Future Work</a:t>
+              <a:t>5. Future Work</a:t>
             </a:r>
           </a:p>
           <a:p>
@@ -3317,8 +3190,8 @@
         </p:nvSpPr>
         <p:spPr>
           <a:xfrm>
-            <a:off x="15913505" y="29247993"/>
-            <a:ext cx="14697382" cy="1337930"/>
+            <a:off x="11353800" y="29522496"/>
+            <a:ext cx="19702454" cy="1320361"/>
           </a:xfrm>
           <a:prstGeom prst="rect">
             <a:avLst/>
@@ -3333,6 +3206,19 @@
           <a:p>
             <a:pPr algn="just"/>
             <a:r>
+              <a:rPr lang="en-US" sz="2590" b="1" dirty="0">
+                <a:solidFill>
+                  <a:srgbClr val="1E68AE"/>
+                </a:solidFill>
+                <a:latin typeface="Avenir Book"/>
+                <a:cs typeface="Avenir Book"/>
+              </a:rPr>
+              <a:t>Acknowledgements and References:</a:t>
+            </a:r>
+          </a:p>
+          <a:p>
+            <a:pPr algn="just"/>
+            <a:r>
               <a:rPr lang="en-US" sz="2590" dirty="0">
                 <a:latin typeface="Avenir Book"/>
                 <a:cs typeface="Avenir Book"/>
@@ -3351,7 +3237,7 @@
                 <a:latin typeface="Avenir Book"/>
                 <a:cs typeface="Avenir Book"/>
               </a:rPr>
-              <a:t> Director’s Research Fund and the 2019 </a:t>
+              <a:t> Director’s Research Fund and the </a:t>
             </a:r>
             <a:r>
               <a:rPr lang="en-US" sz="2590" dirty="0" err="1">
@@ -3409,9 +3295,9 @@
         <p:grpSpPr>
           <a:xfrm>
             <a:off x="15781969" y="16560316"/>
-            <a:ext cx="14859684" cy="5268586"/>
+            <a:ext cx="14847963" cy="5268586"/>
             <a:chOff x="15921487" y="8154204"/>
-            <a:chExt cx="14859684" cy="5268586"/>
+            <a:chExt cx="14847963" cy="5268586"/>
           </a:xfrm>
         </p:grpSpPr>
         <p:pic>
@@ -3472,14 +3358,13 @@
                 </a:ext>
               </a:extLst>
             </a:blip>
-            <a:stretch>
-              <a:fillRect/>
-            </a:stretch>
+            <a:srcRect/>
+            <a:stretch/>
           </p:blipFill>
           <p:spPr>
             <a:xfrm>
-              <a:off x="23059640" y="8431641"/>
-              <a:ext cx="7721531" cy="3138637"/>
+              <a:off x="23071361" y="8431641"/>
+              <a:ext cx="7698089" cy="3138637"/>
             </a:xfrm>
             <a:prstGeom prst="rect">
               <a:avLst/>
@@ -3648,7 +3533,7 @@
         </p:nvSpPr>
         <p:spPr>
           <a:xfrm>
-            <a:off x="16180320" y="24637182"/>
+            <a:off x="16155593" y="25936649"/>
             <a:ext cx="14557829" cy="0"/>
           </a:xfrm>
           <a:custGeom>
@@ -3707,7 +3592,7 @@
         </p:nvSpPr>
         <p:spPr>
           <a:xfrm>
-            <a:off x="15858006" y="25637566"/>
+            <a:off x="15833279" y="26937033"/>
             <a:ext cx="7443115" cy="2085186"/>
           </a:xfrm>
           <a:prstGeom prst="rect">
@@ -3722,6 +3607,10 @@
           <a:lstStyle/>
           <a:p>
             <a:pPr marL="457200" indent="-457200" algn="just">
+              <a:buClr>
+                <a:srgbClr val="1E68AE"/>
+              </a:buClr>
+              <a:buSzPct val="125000"/>
               <a:buFont typeface="Arial" panose="020B0604020202020204" pitchFamily="34" charset="0"/>
               <a:buChar char="•"/>
             </a:pPr>
@@ -3735,6 +3624,10 @@
           </a:p>
           <a:p>
             <a:pPr marL="457200" indent="-457200" algn="just">
+              <a:buClr>
+                <a:srgbClr val="1E68AE"/>
+              </a:buClr>
+              <a:buSzPct val="125000"/>
               <a:buFont typeface="Arial" panose="020B0604020202020204" pitchFamily="34" charset="0"/>
               <a:buChar char="•"/>
             </a:pPr>
@@ -3762,7 +3655,7 @@
         </p:nvSpPr>
         <p:spPr>
           <a:xfrm>
-            <a:off x="23523492" y="25637566"/>
+            <a:off x="23498765" y="26937033"/>
             <a:ext cx="7241602" cy="1288045"/>
           </a:xfrm>
           <a:prstGeom prst="rect">
@@ -3777,6 +3670,10 @@
           <a:lstStyle/>
           <a:p>
             <a:pPr marL="457200" indent="-457200" algn="just">
+              <a:buClr>
+                <a:srgbClr val="1E68AE"/>
+              </a:buClr>
+              <a:buSzPct val="125000"/>
               <a:buFont typeface="Arial" panose="020B0604020202020204" pitchFamily="34" charset="0"/>
               <a:buChar char="•"/>
             </a:pPr>
@@ -3818,6 +3715,10 @@
           </a:p>
           <a:p>
             <a:pPr marL="457200" indent="-457200" algn="just">
+              <a:buClr>
+                <a:srgbClr val="1E68AE"/>
+              </a:buClr>
+              <a:buSzPct val="125000"/>
               <a:buFont typeface="Arial" panose="020B0604020202020204" pitchFamily="34" charset="0"/>
               <a:buChar char="•"/>
             </a:pPr>

--- a/poster/bourque_aas_poster.pptx
+++ b/poster/bourque_aas_poster.pptx
@@ -2063,21 +2063,7 @@
                 <a:latin typeface="Avenir Book"/>
                 <a:cs typeface="Avenir Book"/>
               </a:rPr>
-              <a:t>Bayesian atmospheric retrievals will be critical to the robust determination of exoplanetary atmospheric properties in the JWST era and beyond. However, some groups may be challenged by the need of programming expertise and/or computational resources required to perform such retrievals, thus limiting their ability to participate scientifically.  The Exoplanet Characterization Toolkit (</a:t>
-            </a:r>
-            <a:r>
-              <a:rPr lang="en-US" sz="2965" dirty="0" err="1">
-                <a:latin typeface="Avenir Book"/>
-                <a:cs typeface="Avenir Book"/>
-              </a:rPr>
-              <a:t>ExoCTK</a:t>
-            </a:r>
-            <a:r>
-              <a:rPr lang="en-US" sz="2965" dirty="0">
-                <a:latin typeface="Avenir Book"/>
-                <a:cs typeface="Avenir Book"/>
-              </a:rPr>
-              <a:t>), which is an open-source data analysis software package and web application focused on the atmospheric characterization of exoplanets and time-series observation planning, aims to address these challenges by developing a module that performs atmospheric retrievals using GPU-enabled Amazon Web Services (AWS) EC2 instances.  Here we present the design, usage, and results of this software.</a:t>
+              <a:t>Bayesian atmospheric retrievals will be critical to the robust determination of exoplanetary atmospheric properties in the JWST era and beyond. However, some groups may be challenged by the need of programming expertise and/or computational resources required to perform such retrievals, thus limiting their ability to participate scientifically.  The Exoplanet Characterization Toolkit (ExoCTK), which is an open-source data analysis software package and web application focused on the atmospheric characterization of exoplanets and time-series observation planning, aims to address these challenges by developing a module that performs atmospheric retrievals using GPU-enabled Amazon Web Services (AWS) EC2 instances.  Here we present the design, usage, and results of this software.</a:t>
             </a:r>
             <a:endParaRPr sz="2965" dirty="0">
               <a:latin typeface="Avenir Book"/>
@@ -2094,8 +2080,8 @@
         </p:nvSpPr>
         <p:spPr>
           <a:xfrm>
-            <a:off x="996899" y="7429897"/>
-            <a:ext cx="15216468" cy="587828"/>
+            <a:off x="545011" y="7429897"/>
+            <a:ext cx="15428031" cy="304439"/>
           </a:xfrm>
           <a:prstGeom prst="rect">
             <a:avLst/>
@@ -2116,17 +2102,7 @@
                 <a:latin typeface="Avenir Black"/>
                 <a:cs typeface="Avenir Black"/>
               </a:rPr>
-              <a:t>1. </a:t>
-            </a:r>
-            <a:r>
-              <a:rPr lang="en-US" sz="3771" spc="8" dirty="0" err="1">
-                <a:solidFill>
-                  <a:srgbClr val="1E68AE"/>
-                </a:solidFill>
-                <a:latin typeface="Avenir Black"/>
-                <a:cs typeface="Avenir Black"/>
-              </a:rPr>
-              <a:t>ExoCTK</a:t>
+              <a:t>1. ExoCTK</a:t>
             </a:r>
             <a:endParaRPr sz="3771" dirty="0">
               <a:solidFill>
@@ -2146,8 +2122,8 @@
         </p:nvSpPr>
         <p:spPr>
           <a:xfrm>
-            <a:off x="17075050" y="16772306"/>
-            <a:ext cx="15216468" cy="587828"/>
+            <a:off x="16807855" y="16772306"/>
+            <a:ext cx="15783973" cy="709249"/>
           </a:xfrm>
           <a:prstGeom prst="rect">
             <a:avLst/>
@@ -2223,47 +2199,7 @@
                 <a:latin typeface="Avenir Book"/>
                 <a:cs typeface="Avenir Book"/>
               </a:rPr>
-              <a:t>, Kevin Stevenson, Joseph </a:t>
-            </a:r>
-            <a:r>
-              <a:rPr lang="en-US" sz="3771" spc="-34" dirty="0" err="1">
-                <a:solidFill>
-                  <a:schemeClr val="bg1"/>
-                </a:solidFill>
-                <a:latin typeface="Avenir Book"/>
-                <a:cs typeface="Avenir Book"/>
-              </a:rPr>
-              <a:t>Filippazzo</a:t>
-            </a:r>
-            <a:r>
-              <a:rPr lang="en-US" sz="3771" spc="-34" dirty="0">
-                <a:solidFill>
-                  <a:schemeClr val="bg1"/>
-                </a:solidFill>
-                <a:latin typeface="Avenir Book"/>
-                <a:cs typeface="Avenir Book"/>
-              </a:rPr>
-              <a:t>, and the </a:t>
-            </a:r>
-            <a:r>
-              <a:rPr lang="en-US" sz="3771" spc="-34" dirty="0" err="1">
-                <a:solidFill>
-                  <a:schemeClr val="bg1"/>
-                </a:solidFill>
-                <a:latin typeface="Avenir Book"/>
-                <a:cs typeface="Avenir Book"/>
-              </a:rPr>
-              <a:t>ExoCTK</a:t>
-            </a:r>
-            <a:r>
-              <a:rPr lang="en-US" sz="3771" spc="-34" dirty="0">
-                <a:solidFill>
-                  <a:schemeClr val="bg1"/>
-                </a:solidFill>
-                <a:latin typeface="Avenir Book"/>
-                <a:cs typeface="Avenir Book"/>
-              </a:rPr>
-              <a:t> team</a:t>
+              <a:t>, Kevin Stevenson, Joseph Filippazzo, and the ExoCTK team</a:t>
             </a:r>
             <a:endParaRPr lang="en-US" sz="3771" spc="-77" dirty="0">
               <a:solidFill>
@@ -2283,8 +2219,8 @@
         </p:nvSpPr>
         <p:spPr>
           <a:xfrm rot="5400000" flipV="1">
-            <a:off x="5707191" y="19260181"/>
-            <a:ext cx="22121725" cy="515141"/>
+            <a:off x="5430271" y="18983261"/>
+            <a:ext cx="22702325" cy="488381"/>
           </a:xfrm>
           <a:custGeom>
             <a:avLst/>
@@ -2363,39 +2299,13 @@
                 <a:latin typeface="Avenir Book" panose="02000503020000020003" pitchFamily="2" charset="0"/>
                 <a:cs typeface="Avenir Book"/>
               </a:rPr>
-              <a:t>The Exoplanet Characterization Toolkit (</a:t>
-            </a:r>
-            <a:r>
-              <a:rPr lang="en-US" sz="2742" dirty="0" err="1">
-                <a:latin typeface="Avenir Book" panose="02000503020000020003" pitchFamily="2" charset="0"/>
-                <a:cs typeface="Avenir Book"/>
-              </a:rPr>
-              <a:t>ExoCTK</a:t>
+              <a:t>The Exoplanet Characterization Toolkit (ExoCTK) </a:t>
             </a:r>
             <a:r>
               <a:rPr lang="en-US" sz="2742" dirty="0">
                 <a:latin typeface="Avenir Book" panose="02000503020000020003" pitchFamily="2" charset="0"/>
-                <a:cs typeface="Avenir Book"/>
-              </a:rPr>
-              <a:t>) </a:t>
-            </a:r>
-            <a:r>
-              <a:rPr lang="en-US" sz="2742" dirty="0">
-                <a:latin typeface="Avenir Book" panose="02000503020000020003" pitchFamily="2" charset="0"/>
-              </a:rPr>
-              <a:t>is a python-based, open-source software package and web application focused on the time-series observation planning and data analysis of exoplanets.  </a:t>
-            </a:r>
-            <a:r>
-              <a:rPr lang="en-US" sz="2742" dirty="0" err="1">
-                <a:latin typeface="Avenir Book" panose="02000503020000020003" pitchFamily="2" charset="0"/>
-              </a:rPr>
-              <a:t>ExoCTK</a:t>
-            </a:r>
-            <a:r>
-              <a:rPr lang="en-US" sz="2742" dirty="0">
-                <a:latin typeface="Avenir Book" panose="02000503020000020003" pitchFamily="2" charset="0"/>
-              </a:rPr>
-              <a:t> is available on the web at </a:t>
+              </a:rPr>
+              <a:t>is a python-based, open-source software package and web application focused on the time-series observation planning and data analysis of exoplanets.  ExoCTK is available on the web at </a:t>
             </a:r>
             <a:r>
               <a:rPr lang="en-US" sz="2742" dirty="0">
@@ -2475,35 +2385,21 @@
               <a:t>Atmospheric Retrievals are algorithms used to determine the physical parameters of an exoplanetary atmosphere.  The </a:t>
             </a:r>
             <a:r>
-              <a:rPr lang="en-US" sz="2742" dirty="0" err="1">
-                <a:latin typeface="Courier" pitchFamily="2" charset="0"/>
-                <a:cs typeface="Avenir Book"/>
-              </a:rPr>
-              <a:t>atmospheric_retrievals</a:t>
-            </a:r>
-            <a:r>
               <a:rPr lang="en-US" sz="2742" dirty="0">
                 <a:latin typeface="Courier" pitchFamily="2" charset="0"/>
                 <a:cs typeface="Avenir Book"/>
               </a:rPr>
-              <a:t> </a:t>
-            </a:r>
-            <a:r>
-              <a:rPr lang="en-US" sz="2742" dirty="0" err="1">
-                <a:latin typeface="Avenir Book"/>
-                <a:cs typeface="Avenir Book"/>
-              </a:rPr>
-              <a:t>subpackage</a:t>
+              <a:t>atmospheric_retrievals </a:t>
             </a:r>
             <a:r>
               <a:rPr lang="en-US" sz="2742" dirty="0">
                 <a:latin typeface="Avenir Book"/>
                 <a:cs typeface="Avenir Book"/>
               </a:rPr>
-              <a:t> within the </a:t>
-            </a:r>
-            <a:r>
-              <a:rPr lang="en-US" sz="2742" dirty="0" err="1">
+              <a:t>subpackage within the </a:t>
+            </a:r>
+            <a:r>
+              <a:rPr lang="en-US" sz="2742" dirty="0">
                 <a:latin typeface="Courier" pitchFamily="2" charset="0"/>
                 <a:cs typeface="Avenir Book"/>
               </a:rPr>
@@ -2514,49 +2410,28 @@
                 <a:latin typeface="Avenir Book"/>
                 <a:cs typeface="Avenir Book"/>
               </a:rPr>
-              <a:t> repository contains methods and tools for performing retrievals with PLATON (</a:t>
-            </a:r>
-            <a:r>
-              <a:rPr lang="en-US" sz="2742" dirty="0" err="1">
+              <a:t> repository contains methods and tools for performing retrievals with PLATON (PLanetary Atmospheric Transmission for Observer Noobs)</a:t>
+            </a:r>
+            <a:r>
+              <a:rPr lang="en-US" sz="2742" baseline="30000" dirty="0">
                 <a:latin typeface="Avenir Book"/>
                 <a:cs typeface="Avenir Book"/>
               </a:rPr>
-              <a:t>PLanetary</a:t>
+              <a:t>1</a:t>
             </a:r>
             <a:r>
               <a:rPr lang="en-US" sz="2742" dirty="0">
                 <a:latin typeface="Avenir Book"/>
                 <a:cs typeface="Avenir Book"/>
               </a:rPr>
-              <a:t> Atmospheric Transmission for Observer Noobs)</a:t>
-            </a:r>
-            <a:r>
-              <a:rPr lang="en-US" sz="2742" baseline="30000" dirty="0">
-                <a:latin typeface="Avenir Book"/>
-                <a:cs typeface="Avenir Book"/>
-              </a:rPr>
-              <a:t>1</a:t>
-            </a:r>
-            <a:r>
-              <a:rPr lang="en-US" sz="2742" dirty="0">
-                <a:latin typeface="Avenir Book"/>
-                <a:cs typeface="Avenir Book"/>
-              </a:rPr>
               <a:t>.  Users can choose to performing retrievals on a local machine, or on virtual machines located in the cloud on the Amazon Web Services (AWS) Elastic Computing (EC2) platform by properly configuring an EC2 instance and invoking the </a:t>
-            </a:r>
-            <a:r>
-              <a:rPr lang="en-US" sz="2742" dirty="0" err="1">
-                <a:latin typeface="Courier" pitchFamily="2" charset="0"/>
-                <a:cs typeface="Avenir Book"/>
-              </a:rPr>
-              <a:t>use_aws</a:t>
             </a:r>
             <a:r>
               <a:rPr lang="en-US" sz="2742" dirty="0">
                 <a:latin typeface="Courier" pitchFamily="2" charset="0"/>
                 <a:cs typeface="Avenir Book"/>
               </a:rPr>
-              <a:t>() </a:t>
+              <a:t>use_aws() </a:t>
             </a:r>
             <a:r>
               <a:rPr lang="en-US" sz="2742" dirty="0">
@@ -2825,8 +2700,8 @@
         </p:nvSpPr>
         <p:spPr>
           <a:xfrm>
-            <a:off x="1022403" y="10350213"/>
-            <a:ext cx="15088483" cy="678542"/>
+            <a:off x="336569" y="10350213"/>
+            <a:ext cx="15797816" cy="735903"/>
           </a:xfrm>
           <a:prstGeom prst="rect">
             <a:avLst/>
@@ -2890,8 +2765,8 @@
         </p:nvSpPr>
         <p:spPr>
           <a:xfrm>
-            <a:off x="16794407" y="7401157"/>
-            <a:ext cx="15216468" cy="773228"/>
+            <a:off x="16923473" y="7401157"/>
+            <a:ext cx="15668356" cy="876760"/>
           </a:xfrm>
           <a:prstGeom prst="rect">
             <a:avLst/>
@@ -2938,8 +2813,8 @@
         </p:nvSpPr>
         <p:spPr>
           <a:xfrm>
-            <a:off x="17065663" y="28101730"/>
-            <a:ext cx="15216468" cy="587828"/>
+            <a:off x="16807856" y="28101729"/>
+            <a:ext cx="15783972" cy="696647"/>
           </a:xfrm>
           <a:prstGeom prst="rect">
             <a:avLst/>
@@ -3237,35 +3112,32 @@
                 <a:latin typeface="Avenir Book"/>
                 <a:cs typeface="Avenir Book"/>
               </a:rPr>
-              <a:t>Support for this project was provided by the </a:t>
-            </a:r>
-            <a:r>
-              <a:rPr lang="en-US" sz="2742" dirty="0" err="1">
-                <a:latin typeface="Avenir Book"/>
-                <a:cs typeface="Avenir Book"/>
-              </a:rPr>
-              <a:t>STScI</a:t>
-            </a:r>
+              <a:t>Support for this project was provided by the STScI Director’s Research Fund and the 2019 STScI Data Science Innovation Initiative.</a:t>
+            </a:r>
+          </a:p>
+          <a:p>
+            <a:pPr marL="544594" indent="-544594" algn="just">
+              <a:buAutoNum type="arabicPeriod"/>
+            </a:pPr>
             <a:r>
               <a:rPr lang="en-US" sz="2742" dirty="0">
                 <a:latin typeface="Avenir Book"/>
                 <a:cs typeface="Avenir Book"/>
               </a:rPr>
-              <a:t> Director’s Research Fund and the 2019 </a:t>
-            </a:r>
-            <a:r>
-              <a:rPr lang="en-US" sz="2742" dirty="0" err="1">
-                <a:latin typeface="Avenir Book"/>
-                <a:cs typeface="Avenir Book"/>
-              </a:rPr>
-              <a:t>STScI</a:t>
+              <a:t>For more information on PLATON, see </a:t>
             </a:r>
             <a:r>
               <a:rPr lang="en-US" sz="2742" dirty="0">
-                <a:latin typeface="Avenir Book"/>
-                <a:cs typeface="Avenir Book"/>
-              </a:rPr>
-              <a:t> Data Science Innovation Initiative.</a:t>
+                <a:latin typeface="Avenir Book" panose="02000503020000020003" pitchFamily="2" charset="0"/>
+                <a:hlinkClick r:id="rId15"/>
+              </a:rPr>
+              <a:t>https://platon.readthedocs.io/</a:t>
+            </a:r>
+            <a:r>
+              <a:rPr lang="en-US" sz="2742" dirty="0">
+                <a:latin typeface="Avenir Book" panose="02000503020000020003" pitchFamily="2" charset="0"/>
+              </a:rPr>
+              <a:t>.</a:t>
             </a:r>
           </a:p>
           <a:p>
@@ -3274,46 +3146,9 @@
             </a:pPr>
             <a:r>
               <a:rPr lang="en-US" sz="2742" dirty="0">
-                <a:latin typeface="Avenir Book"/>
-                <a:cs typeface="Avenir Book"/>
-              </a:rPr>
-              <a:t>For more information on PLATON, see </a:t>
-            </a:r>
-            <a:r>
-              <a:rPr lang="en-US" sz="2742" dirty="0">
                 <a:latin typeface="Avenir Book" panose="02000503020000020003" pitchFamily="2" charset="0"/>
-                <a:hlinkClick r:id="rId15"/>
-              </a:rPr>
-              <a:t>https://platon.readthedocs.io/</a:t>
-            </a:r>
-            <a:r>
-              <a:rPr lang="en-US" sz="2742" dirty="0">
-                <a:latin typeface="Avenir Book" panose="02000503020000020003" pitchFamily="2" charset="0"/>
-              </a:rPr>
-              <a:t>.</a:t>
-            </a:r>
-          </a:p>
-          <a:p>
-            <a:pPr marL="544594" indent="-544594" algn="just">
-              <a:buAutoNum type="arabicPeriod"/>
-            </a:pPr>
-            <a:r>
-              <a:rPr lang="en-US" sz="2742" dirty="0">
-                <a:latin typeface="Avenir Book" panose="02000503020000020003" pitchFamily="2" charset="0"/>
-              </a:rPr>
-              <a:t>Transmission spectra were acquired from </a:t>
-            </a:r>
-            <a:r>
-              <a:rPr lang="en-US" sz="2742" dirty="0" err="1">
-                <a:latin typeface="Avenir Book" panose="02000503020000020003" pitchFamily="2" charset="0"/>
-              </a:rPr>
-              <a:t>ExoMAST</a:t>
-            </a:r>
-            <a:r>
-              <a:rPr lang="en-US" sz="2742" dirty="0">
-                <a:latin typeface="Avenir Book" panose="02000503020000020003" pitchFamily="2" charset="0"/>
-              </a:rPr>
-              <a:t>, available at </a:t>
+              </a:rPr>
+              <a:t>Transmission spectra were acquired from ExoMAST, available at </a:t>
             </a:r>
             <a:r>
               <a:rPr lang="en-US" sz="2742" dirty="0">
@@ -3722,21 +3557,7 @@
                 <a:latin typeface="Avenir Book"/>
                 <a:cs typeface="Avenir Book"/>
               </a:rPr>
-              <a:t>A web interface for performing retrievals, akin to other </a:t>
-            </a:r>
-            <a:r>
-              <a:rPr lang="en-US" sz="2742" dirty="0" err="1">
-                <a:latin typeface="Avenir Book"/>
-                <a:cs typeface="Avenir Book"/>
-              </a:rPr>
-              <a:t>ExoCTK</a:t>
-            </a:r>
-            <a:r>
-              <a:rPr lang="en-US" sz="2742" dirty="0">
-                <a:latin typeface="Avenir Book"/>
-                <a:cs typeface="Avenir Book"/>
-              </a:rPr>
-              <a:t> web tools</a:t>
+              <a:t>A web interface for performing retrievals, akin to other ExoCTK web tools</a:t>
             </a:r>
           </a:p>
         </p:txBody>
@@ -3782,7 +3603,7 @@
                 <a:latin typeface="Avenir Book"/>
                 <a:cs typeface="Avenir Book"/>
               </a:rPr>
-              <a:t>Support for other retrieval algorithms, namely CHIMERA (Caltech Inverse Modeling and Retrieval Algorithms</a:t>
+              <a:t>Support for other retrieval algorithms, namely CHIMERA (Caltech Inverse Modeling and Retrieval Algorithms)</a:t>
             </a:r>
           </a:p>
           <a:p>
